--- a/fig/iot rpi pins gpio v01.pptx
+++ b/fig/iot rpi pins gpio v01.pptx
@@ -6,7 +6,12 @@
   </p:sldMasterIdLst>
   <p:sldIdLst>
     <p:sldId id="257" r:id="rId2"/>
-    <p:sldId id="258" r:id="rId3"/>
+    <p:sldId id="259" r:id="rId3"/>
+    <p:sldId id="258" r:id="rId4"/>
+    <p:sldId id="263" r:id="rId5"/>
+    <p:sldId id="260" r:id="rId6"/>
+    <p:sldId id="261" r:id="rId7"/>
+    <p:sldId id="262" r:id="rId8"/>
   </p:sldIdLst>
   <p:sldSz cx="12192000" cy="6858000"/>
   <p:notesSz cx="6858000" cy="9144000"/>
@@ -105,6 +110,11 @@
       </a:defRPr>
     </a:lvl9pPr>
   </p:defaultTextStyle>
+  <p:extLst>
+    <p:ext uri="{EFAFB233-063F-42B5-8137-9DF3F51BA10A}">
+      <p15:sldGuideLst xmlns:p15="http://schemas.microsoft.com/office/powerpoint/2012/main"/>
+    </p:ext>
+  </p:extLst>
 </p:presentation>
 </file>
 
@@ -239,7 +249,7 @@
           <a:p>
             <a:fld id="{DD2BDEAC-A4EE-C742-9AE6-82F296B30C52}" type="datetimeFigureOut">
               <a:rPr lang="en-US" smtClean="0"/>
-              <a:t>11/28/16</a:t>
+              <a:t>11/29/16</a:t>
             </a:fld>
             <a:endParaRPr lang="en-US"/>
           </a:p>
@@ -409,7 +419,7 @@
           <a:p>
             <a:fld id="{DD2BDEAC-A4EE-C742-9AE6-82F296B30C52}" type="datetimeFigureOut">
               <a:rPr lang="en-US" smtClean="0"/>
-              <a:t>11/28/16</a:t>
+              <a:t>11/29/16</a:t>
             </a:fld>
             <a:endParaRPr lang="en-US"/>
           </a:p>
@@ -589,7 +599,7 @@
           <a:p>
             <a:fld id="{DD2BDEAC-A4EE-C742-9AE6-82F296B30C52}" type="datetimeFigureOut">
               <a:rPr lang="en-US" smtClean="0"/>
-              <a:t>11/28/16</a:t>
+              <a:t>11/29/16</a:t>
             </a:fld>
             <a:endParaRPr lang="en-US"/>
           </a:p>
@@ -651,7 +661,7 @@
 </file>
 
 <file path=ppt/slideLayouts/slideLayout2.xml><?xml version="1.0" encoding="utf-8"?>
-<p:sldLayout xmlns:a="http://schemas.openxmlformats.org/drawingml/2006/main" xmlns:r="http://schemas.openxmlformats.org/officeDocument/2006/relationships" xmlns:p="http://schemas.openxmlformats.org/presentationml/2006/main" type="obj" preserve="1">
+<p:sldLayout xmlns:a="http://schemas.openxmlformats.org/drawingml/2006/main" xmlns:r="http://schemas.openxmlformats.org/officeDocument/2006/relationships" xmlns:p="http://schemas.openxmlformats.org/presentationml/2006/main" preserve="1" userDrawn="1">
   <p:cSld name="Title and Content">
     <p:spTree>
       <p:nvGrpSpPr>
@@ -677,89 +687,52 @@
             <p:ph type="title"/>
           </p:nvPr>
         </p:nvSpPr>
+        <p:spPr>
+          <a:xfrm rot="16200000">
+            <a:off x="-2762252" y="2851152"/>
+            <a:ext cx="6248403" cy="546099"/>
+          </a:xfrm>
+        </p:spPr>
+        <p:txBody>
+          <a:bodyPr anchor="t">
+            <a:noAutofit/>
+          </a:bodyPr>
+          <a:lstStyle>
+            <a:lvl1pPr>
+              <a:defRPr sz="2800">
+                <a:latin typeface="Open Sans" charset="0"/>
+                <a:ea typeface="Open Sans" charset="0"/>
+                <a:cs typeface="Open Sans" charset="0"/>
+              </a:defRPr>
+            </a:lvl1pPr>
+          </a:lstStyle>
+          <a:p>
+            <a:r>
+              <a:rPr lang="en-US" dirty="0" smtClean="0"/>
+              <a:t>Click to edit Master title style</a:t>
+            </a:r>
+            <a:endParaRPr lang="en-US" dirty="0"/>
+          </a:p>
+        </p:txBody>
+      </p:sp>
+      <p:sp>
+        <p:nvSpPr>
+          <p:cNvPr id="4" name="Date Placeholder 3"/>
+          <p:cNvSpPr>
+            <a:spLocks noGrp="1"/>
+          </p:cNvSpPr>
+          <p:nvPr>
+            <p:ph type="dt" sz="half" idx="10"/>
+          </p:nvPr>
+        </p:nvSpPr>
         <p:spPr/>
         <p:txBody>
           <a:bodyPr/>
           <a:lstStyle/>
           <a:p>
-            <a:r>
-              <a:rPr lang="en-US" smtClean="0"/>
-              <a:t>Click to edit Master title style</a:t>
-            </a:r>
-            <a:endParaRPr lang="en-US"/>
-          </a:p>
-        </p:txBody>
-      </p:sp>
-      <p:sp>
-        <p:nvSpPr>
-          <p:cNvPr id="3" name="Content Placeholder 2"/>
-          <p:cNvSpPr>
-            <a:spLocks noGrp="1"/>
-          </p:cNvSpPr>
-          <p:nvPr>
-            <p:ph idx="1"/>
-          </p:nvPr>
-        </p:nvSpPr>
-        <p:spPr/>
-        <p:txBody>
-          <a:bodyPr/>
-          <a:lstStyle/>
-          <a:p>
-            <a:pPr lvl="0"/>
-            <a:r>
-              <a:rPr lang="en-US" smtClean="0"/>
-              <a:t>Click to edit Master text styles</a:t>
-            </a:r>
-          </a:p>
-          <a:p>
-            <a:pPr lvl="1"/>
-            <a:r>
-              <a:rPr lang="en-US" smtClean="0"/>
-              <a:t>Second level</a:t>
-            </a:r>
-          </a:p>
-          <a:p>
-            <a:pPr lvl="2"/>
-            <a:r>
-              <a:rPr lang="en-US" smtClean="0"/>
-              <a:t>Third level</a:t>
-            </a:r>
-          </a:p>
-          <a:p>
-            <a:pPr lvl="3"/>
-            <a:r>
-              <a:rPr lang="en-US" smtClean="0"/>
-              <a:t>Fourth level</a:t>
-            </a:r>
-          </a:p>
-          <a:p>
-            <a:pPr lvl="4"/>
-            <a:r>
-              <a:rPr lang="en-US" smtClean="0"/>
-              <a:t>Fifth level</a:t>
-            </a:r>
-            <a:endParaRPr lang="en-US"/>
-          </a:p>
-        </p:txBody>
-      </p:sp>
-      <p:sp>
-        <p:nvSpPr>
-          <p:cNvPr id="4" name="Date Placeholder 3"/>
-          <p:cNvSpPr>
-            <a:spLocks noGrp="1"/>
-          </p:cNvSpPr>
-          <p:nvPr>
-            <p:ph type="dt" sz="half" idx="10"/>
-          </p:nvPr>
-        </p:nvSpPr>
-        <p:spPr/>
-        <p:txBody>
-          <a:bodyPr/>
-          <a:lstStyle/>
-          <a:p>
             <a:fld id="{DD2BDEAC-A4EE-C742-9AE6-82F296B30C52}" type="datetimeFigureOut">
               <a:rPr lang="en-US" smtClean="0"/>
-              <a:t>11/28/16</a:t>
+              <a:t>11/29/16</a:t>
             </a:fld>
             <a:endParaRPr lang="en-US"/>
           </a:p>
@@ -1005,7 +978,7 @@
           <a:p>
             <a:fld id="{DD2BDEAC-A4EE-C742-9AE6-82F296B30C52}" type="datetimeFigureOut">
               <a:rPr lang="en-US" smtClean="0"/>
-              <a:t>11/28/16</a:t>
+              <a:t>11/29/16</a:t>
             </a:fld>
             <a:endParaRPr lang="en-US"/>
           </a:p>
@@ -1237,7 +1210,7 @@
           <a:p>
             <a:fld id="{DD2BDEAC-A4EE-C742-9AE6-82F296B30C52}" type="datetimeFigureOut">
               <a:rPr lang="en-US" smtClean="0"/>
-              <a:t>11/28/16</a:t>
+              <a:t>11/29/16</a:t>
             </a:fld>
             <a:endParaRPr lang="en-US"/>
           </a:p>
@@ -1604,7 +1577,7 @@
           <a:p>
             <a:fld id="{DD2BDEAC-A4EE-C742-9AE6-82F296B30C52}" type="datetimeFigureOut">
               <a:rPr lang="en-US" smtClean="0"/>
-              <a:t>11/28/16</a:t>
+              <a:t>11/29/16</a:t>
             </a:fld>
             <a:endParaRPr lang="en-US"/>
           </a:p>
@@ -1722,7 +1695,7 @@
           <a:p>
             <a:fld id="{DD2BDEAC-A4EE-C742-9AE6-82F296B30C52}" type="datetimeFigureOut">
               <a:rPr lang="en-US" smtClean="0"/>
-              <a:t>11/28/16</a:t>
+              <a:t>11/29/16</a:t>
             </a:fld>
             <a:endParaRPr lang="en-US"/>
           </a:p>
@@ -1817,7 +1790,7 @@
           <a:p>
             <a:fld id="{DD2BDEAC-A4EE-C742-9AE6-82F296B30C52}" type="datetimeFigureOut">
               <a:rPr lang="en-US" smtClean="0"/>
-              <a:t>11/28/16</a:t>
+              <a:t>11/29/16</a:t>
             </a:fld>
             <a:endParaRPr lang="en-US"/>
           </a:p>
@@ -2094,7 +2067,7 @@
           <a:p>
             <a:fld id="{DD2BDEAC-A4EE-C742-9AE6-82F296B30C52}" type="datetimeFigureOut">
               <a:rPr lang="en-US" smtClean="0"/>
-              <a:t>11/28/16</a:t>
+              <a:t>11/29/16</a:t>
             </a:fld>
             <a:endParaRPr lang="en-US"/>
           </a:p>
@@ -2347,7 +2320,7 @@
           <a:p>
             <a:fld id="{DD2BDEAC-A4EE-C742-9AE6-82F296B30C52}" type="datetimeFigureOut">
               <a:rPr lang="en-US" smtClean="0"/>
-              <a:t>11/28/16</a:t>
+              <a:t>11/29/16</a:t>
             </a:fld>
             <a:endParaRPr lang="en-US"/>
           </a:p>
@@ -2560,7 +2533,7 @@
           <a:p>
             <a:fld id="{DD2BDEAC-A4EE-C742-9AE6-82F296B30C52}" type="datetimeFigureOut">
               <a:rPr lang="en-US" smtClean="0"/>
-              <a:t>11/28/16</a:t>
+              <a:t>11/29/16</a:t>
             </a:fld>
             <a:endParaRPr lang="en-US"/>
           </a:p>
@@ -3366,8 +3339,8 @@
         </p:nvSpPr>
         <p:spPr>
           <a:xfrm>
-            <a:off x="1254646" y="889540"/>
-            <a:ext cx="2522800" cy="969496"/>
+            <a:off x="1241393" y="889540"/>
+            <a:ext cx="2986349" cy="969496"/>
           </a:xfrm>
           <a:prstGeom prst="rect">
             <a:avLst/>
@@ -3381,19 +3354,31 @@
           <a:lstStyle/>
           <a:p>
             <a:r>
-              <a:rPr lang="en-US" sz="1900" u="sng" dirty="0" smtClean="0"/>
+              <a:rPr lang="en-US" sz="1900" u="sng" dirty="0" smtClean="0">
+                <a:latin typeface="Open Sans Light" charset="0"/>
+                <a:ea typeface="Open Sans Light" charset="0"/>
+                <a:cs typeface="Open Sans Light" charset="0"/>
+              </a:rPr>
               <a:t>I2C</a:t>
             </a:r>
           </a:p>
           <a:p>
             <a:r>
-              <a:rPr lang="en-US" sz="1900" dirty="0" smtClean="0"/>
+              <a:rPr lang="en-US" sz="1900" dirty="0" smtClean="0">
+                <a:latin typeface="Open Sans Light" charset="0"/>
+                <a:ea typeface="Open Sans Light" charset="0"/>
+                <a:cs typeface="Open Sans Light" charset="0"/>
+              </a:rPr>
               <a:t>SDA (Serial Data line)</a:t>
             </a:r>
           </a:p>
           <a:p>
             <a:r>
-              <a:rPr lang="en-US" sz="1900" dirty="0" smtClean="0"/>
+              <a:rPr lang="en-US" sz="1900" dirty="0" smtClean="0">
+                <a:latin typeface="Open Sans Light" charset="0"/>
+                <a:ea typeface="Open Sans Light" charset="0"/>
+                <a:cs typeface="Open Sans Light" charset="0"/>
+              </a:rPr>
               <a:t>SCL (Serial Clock Line)</a:t>
             </a:r>
           </a:p>
@@ -3407,8 +3392,8 @@
         </p:nvSpPr>
         <p:spPr>
           <a:xfrm>
-            <a:off x="9973707" y="1073423"/>
-            <a:ext cx="1244547" cy="677108"/>
+            <a:off x="9907447" y="787462"/>
+            <a:ext cx="2125528" cy="969496"/>
           </a:xfrm>
           <a:prstGeom prst="rect">
             <a:avLst/>
@@ -3422,15 +3407,43 @@
           <a:lstStyle/>
           <a:p>
             <a:r>
-              <a:rPr lang="en-US" sz="1900" dirty="0" smtClean="0"/>
-              <a:t>UART TXD</a:t>
-            </a:r>
-          </a:p>
-          <a:p>
-            <a:r>
-              <a:rPr lang="en-US" sz="1900" dirty="0" smtClean="0"/>
-              <a:t>UART RXD</a:t>
-            </a:r>
+              <a:rPr lang="en-US" sz="1900" u="sng" dirty="0" smtClean="0">
+                <a:latin typeface="Open Sans Light" charset="0"/>
+                <a:ea typeface="Open Sans Light" charset="0"/>
+                <a:cs typeface="Open Sans Light" charset="0"/>
+              </a:rPr>
+              <a:t>UART</a:t>
+            </a:r>
+          </a:p>
+          <a:p>
+            <a:r>
+              <a:rPr lang="en-US" sz="1900" dirty="0" smtClean="0">
+                <a:latin typeface="Open Sans Light" charset="0"/>
+                <a:ea typeface="Open Sans Light" charset="0"/>
+                <a:cs typeface="Open Sans Light" charset="0"/>
+              </a:rPr>
+              <a:t>TXD (Transmit)</a:t>
+            </a:r>
+            <a:endParaRPr lang="en-US" sz="1900" dirty="0" smtClean="0">
+              <a:latin typeface="Open Sans Light" charset="0"/>
+              <a:ea typeface="Open Sans Light" charset="0"/>
+              <a:cs typeface="Open Sans Light" charset="0"/>
+            </a:endParaRPr>
+          </a:p>
+          <a:p>
+            <a:r>
+              <a:rPr lang="en-US" sz="1900" dirty="0" smtClean="0">
+                <a:latin typeface="Open Sans Light" charset="0"/>
+                <a:ea typeface="Open Sans Light" charset="0"/>
+                <a:cs typeface="Open Sans Light" charset="0"/>
+              </a:rPr>
+              <a:t>RXD (Receive)</a:t>
+            </a:r>
+            <a:endParaRPr lang="en-US" sz="1900" dirty="0" smtClean="0">
+              <a:latin typeface="Open Sans Light" charset="0"/>
+              <a:ea typeface="Open Sans Light" charset="0"/>
+              <a:cs typeface="Open Sans Light" charset="0"/>
+            </a:endParaRPr>
           </a:p>
         </p:txBody>
       </p:sp>
@@ -3442,8 +3455,8 @@
         </p:nvSpPr>
         <p:spPr>
           <a:xfrm>
-            <a:off x="1237712" y="2839858"/>
-            <a:ext cx="3003283" cy="384721"/>
+            <a:off x="1224460" y="2839858"/>
+            <a:ext cx="3003283" cy="677108"/>
           </a:xfrm>
           <a:prstGeom prst="rect">
             <a:avLst/>
@@ -3459,7 +3472,11 @@
           <a:lstStyle/>
           <a:p>
             <a:r>
-              <a:rPr lang="en-US" sz="1900" dirty="0" smtClean="0"/>
+              <a:rPr lang="en-US" sz="1900" dirty="0" smtClean="0">
+                <a:latin typeface="Open Sans Light" charset="0"/>
+                <a:ea typeface="Open Sans Light" charset="0"/>
+                <a:cs typeface="Open Sans Light" charset="0"/>
+              </a:rPr>
               <a:t>MOSI (Master Out-Slave In)</a:t>
             </a:r>
           </a:p>
@@ -3473,8 +3490,8 @@
         </p:nvSpPr>
         <p:spPr>
           <a:xfrm>
-            <a:off x="1237712" y="3150275"/>
-            <a:ext cx="3003283" cy="384721"/>
+            <a:off x="1224460" y="3150275"/>
+            <a:ext cx="3003283" cy="677108"/>
           </a:xfrm>
           <a:prstGeom prst="rect">
             <a:avLst/>
@@ -3490,7 +3507,11 @@
           <a:lstStyle/>
           <a:p>
             <a:r>
-              <a:rPr lang="en-US" sz="1900" dirty="0" smtClean="0"/>
+              <a:rPr lang="en-US" sz="1900" dirty="0" smtClean="0">
+                <a:latin typeface="Open Sans Light" charset="0"/>
+                <a:ea typeface="Open Sans Light" charset="0"/>
+                <a:cs typeface="Open Sans Light" charset="0"/>
+              </a:rPr>
               <a:t>MOSI (Master In Slave Out)</a:t>
             </a:r>
           </a:p>
@@ -3504,7 +3525,7 @@
         </p:nvSpPr>
         <p:spPr>
           <a:xfrm>
-            <a:off x="1237712" y="3460692"/>
+            <a:off x="1224460" y="3460692"/>
             <a:ext cx="3003283" cy="384721"/>
           </a:xfrm>
           <a:prstGeom prst="rect">
@@ -3521,7 +3542,11 @@
           <a:lstStyle/>
           <a:p>
             <a:r>
-              <a:rPr lang="en-US" sz="1900" dirty="0" smtClean="0"/>
+              <a:rPr lang="en-US" sz="1900" dirty="0" smtClean="0">
+                <a:latin typeface="Open Sans Light" charset="0"/>
+                <a:ea typeface="Open Sans Light" charset="0"/>
+                <a:cs typeface="Open Sans Light" charset="0"/>
+              </a:rPr>
               <a:t>SCLK (System clock)</a:t>
             </a:r>
           </a:p>
@@ -3550,10 +3575,13 @@
           <a:lstStyle/>
           <a:p>
             <a:r>
-              <a:rPr lang="en-US" sz="1900" dirty="0" smtClean="0"/>
+              <a:rPr lang="en-US" sz="1900" dirty="0" smtClean="0">
+                <a:latin typeface="Open Sans Light" charset="0"/>
+                <a:ea typeface="Open Sans Light" charset="0"/>
+                <a:cs typeface="Open Sans Light" charset="0"/>
+              </a:rPr>
               <a:t>SPI0_CE0_Negative</a:t>
             </a:r>
-            <a:endParaRPr lang="en-US" sz="1900" dirty="0" smtClean="0"/>
           </a:p>
         </p:txBody>
       </p:sp>
@@ -3580,7 +3608,11 @@
           <a:lstStyle/>
           <a:p>
             <a:r>
-              <a:rPr lang="en-US" sz="1900" dirty="0" smtClean="0"/>
+              <a:rPr lang="en-US" sz="1900" dirty="0" smtClean="0">
+                <a:latin typeface="Open Sans Light" charset="0"/>
+                <a:ea typeface="Open Sans Light" charset="0"/>
+                <a:cs typeface="Open Sans Light" charset="0"/>
+              </a:rPr>
               <a:t>SPI0_CE1_Negative</a:t>
             </a:r>
           </a:p>
@@ -3619,6 +3651,66 @@
           </a:p>
         </p:txBody>
       </p:sp>
+      <p:cxnSp>
+        <p:nvCxnSpPr>
+          <p:cNvPr id="3" name="Straight Connector 2"/>
+          <p:cNvCxnSpPr/>
+          <p:nvPr/>
+        </p:nvCxnSpPr>
+        <p:spPr>
+          <a:xfrm flipV="1">
+            <a:off x="3644348" y="715618"/>
+            <a:ext cx="1033669" cy="609599"/>
+          </a:xfrm>
+          <a:prstGeom prst="line">
+            <a:avLst/>
+          </a:prstGeom>
+        </p:spPr>
+        <p:style>
+          <a:lnRef idx="1">
+            <a:schemeClr val="accent1"/>
+          </a:lnRef>
+          <a:fillRef idx="0">
+            <a:schemeClr val="accent1"/>
+          </a:fillRef>
+          <a:effectRef idx="0">
+            <a:schemeClr val="accent1"/>
+          </a:effectRef>
+          <a:fontRef idx="minor">
+            <a:schemeClr val="tx1"/>
+          </a:fontRef>
+        </p:style>
+      </p:cxnSp>
+      <p:cxnSp>
+        <p:nvCxnSpPr>
+          <p:cNvPr id="21" name="Straight Connector 20"/>
+          <p:cNvCxnSpPr/>
+          <p:nvPr/>
+        </p:nvCxnSpPr>
+        <p:spPr>
+          <a:xfrm flipV="1">
+            <a:off x="3760513" y="1054134"/>
+            <a:ext cx="891003" cy="549379"/>
+          </a:xfrm>
+          <a:prstGeom prst="line">
+            <a:avLst/>
+          </a:prstGeom>
+        </p:spPr>
+        <p:style>
+          <a:lnRef idx="1">
+            <a:schemeClr val="accent1"/>
+          </a:lnRef>
+          <a:fillRef idx="0">
+            <a:schemeClr val="accent1"/>
+          </a:fillRef>
+          <a:effectRef idx="0">
+            <a:schemeClr val="accent1"/>
+          </a:effectRef>
+          <a:fontRef idx="minor">
+            <a:schemeClr val="tx1"/>
+          </a:fontRef>
+        </p:style>
+      </p:cxnSp>
     </p:spTree>
     <p:extLst>
       <p:ext uri="{BB962C8B-B14F-4D97-AF65-F5344CB8AC3E}">
@@ -3665,12 +3757,8 @@
           <a:lstStyle/>
           <a:p>
             <a:r>
-              <a:rPr lang="en-US" dirty="0" smtClean="0"/>
-              <a:t>rasp-</a:t>
-            </a:r>
-            <a:r>
               <a:rPr lang="en-US" dirty="0" err="1" smtClean="0"/>
-              <a:t>config</a:t>
+              <a:t>ssh</a:t>
             </a:r>
             <a:endParaRPr lang="en-US" dirty="0"/>
           </a:p>
@@ -3683,7 +3771,298 @@
             <a:spLocks noGrp="1"/>
           </p:cNvSpPr>
           <p:nvPr>
-            <p:ph idx="1"/>
+            <p:ph idx="4294967295"/>
+          </p:nvPr>
+        </p:nvSpPr>
+        <p:spPr>
+          <a:xfrm>
+            <a:off x="1676400" y="235364"/>
+            <a:ext cx="10515600" cy="5105262"/>
+          </a:xfrm>
+        </p:spPr>
+        <p:txBody>
+          <a:bodyPr>
+            <a:noAutofit/>
+          </a:bodyPr>
+          <a:lstStyle/>
+          <a:p>
+            <a:pPr marL="0" indent="0">
+              <a:buNone/>
+            </a:pPr>
+            <a:r>
+              <a:rPr lang="mr-IN" sz="2000" dirty="0">
+                <a:latin typeface="Courier New" charset="0"/>
+                <a:ea typeface="Courier New" charset="0"/>
+                <a:cs typeface="Courier New" charset="0"/>
+              </a:rPr>
+              <a:t>~() &gt; </a:t>
+            </a:r>
+            <a:r>
+              <a:rPr lang="mr-IN" sz="2000" dirty="0" err="1">
+                <a:latin typeface="Courier New" charset="0"/>
+                <a:ea typeface="Courier New" charset="0"/>
+                <a:cs typeface="Courier New" charset="0"/>
+              </a:rPr>
+              <a:t>ssh</a:t>
+            </a:r>
+            <a:r>
+              <a:rPr lang="mr-IN" sz="2000" dirty="0">
+                <a:latin typeface="Courier New" charset="0"/>
+                <a:ea typeface="Courier New" charset="0"/>
+                <a:cs typeface="Courier New" charset="0"/>
+              </a:rPr>
+              <a:t> pi@10.0.0.6</a:t>
+            </a:r>
+          </a:p>
+          <a:p>
+            <a:pPr marL="0" indent="0">
+              <a:buNone/>
+            </a:pPr>
+            <a:r>
+              <a:rPr lang="en-US" sz="2000" dirty="0">
+                <a:latin typeface="Courier New" charset="0"/>
+                <a:ea typeface="Courier New" charset="0"/>
+                <a:cs typeface="Courier New" charset="0"/>
+              </a:rPr>
+              <a:t>pi@10.0.0.6's password: </a:t>
+            </a:r>
+          </a:p>
+          <a:p>
+            <a:pPr marL="0" indent="0">
+              <a:buNone/>
+            </a:pPr>
+            <a:endParaRPr lang="en-US" sz="2000" dirty="0">
+              <a:latin typeface="Courier New" charset="0"/>
+              <a:ea typeface="Courier New" charset="0"/>
+              <a:cs typeface="Courier New" charset="0"/>
+            </a:endParaRPr>
+          </a:p>
+          <a:p>
+            <a:pPr marL="0" indent="0">
+              <a:buNone/>
+            </a:pPr>
+            <a:r>
+              <a:rPr lang="en-US" sz="2000" dirty="0">
+                <a:latin typeface="Courier New" charset="0"/>
+                <a:ea typeface="Courier New" charset="0"/>
+                <a:cs typeface="Courier New" charset="0"/>
+              </a:rPr>
+              <a:t>The programs included with the </a:t>
+            </a:r>
+            <a:r>
+              <a:rPr lang="en-US" sz="2000" dirty="0" err="1">
+                <a:latin typeface="Courier New" charset="0"/>
+                <a:ea typeface="Courier New" charset="0"/>
+                <a:cs typeface="Courier New" charset="0"/>
+              </a:rPr>
+              <a:t>Debian</a:t>
+            </a:r>
+            <a:r>
+              <a:rPr lang="en-US" sz="2000" dirty="0">
+                <a:latin typeface="Courier New" charset="0"/>
+                <a:ea typeface="Courier New" charset="0"/>
+                <a:cs typeface="Courier New" charset="0"/>
+              </a:rPr>
+              <a:t> GNU/Linux system are free software;</a:t>
+            </a:r>
+          </a:p>
+          <a:p>
+            <a:pPr marL="0" indent="0">
+              <a:buNone/>
+            </a:pPr>
+            <a:r>
+              <a:rPr lang="en-US" sz="2000" dirty="0">
+                <a:latin typeface="Courier New" charset="0"/>
+                <a:ea typeface="Courier New" charset="0"/>
+                <a:cs typeface="Courier New" charset="0"/>
+              </a:rPr>
+              <a:t>the exact distribution terms for each program are described in the</a:t>
+            </a:r>
+          </a:p>
+          <a:p>
+            <a:pPr marL="0" indent="0">
+              <a:buNone/>
+            </a:pPr>
+            <a:r>
+              <a:rPr lang="en-US" sz="2000" dirty="0">
+                <a:latin typeface="Courier New" charset="0"/>
+                <a:ea typeface="Courier New" charset="0"/>
+                <a:cs typeface="Courier New" charset="0"/>
+              </a:rPr>
+              <a:t>individual files in /</a:t>
+            </a:r>
+            <a:r>
+              <a:rPr lang="en-US" sz="2000" dirty="0" err="1">
+                <a:latin typeface="Courier New" charset="0"/>
+                <a:ea typeface="Courier New" charset="0"/>
+                <a:cs typeface="Courier New" charset="0"/>
+              </a:rPr>
+              <a:t>usr</a:t>
+            </a:r>
+            <a:r>
+              <a:rPr lang="en-US" sz="2000" dirty="0">
+                <a:latin typeface="Courier New" charset="0"/>
+                <a:ea typeface="Courier New" charset="0"/>
+                <a:cs typeface="Courier New" charset="0"/>
+              </a:rPr>
+              <a:t>/share/doc/*/copyright.</a:t>
+            </a:r>
+          </a:p>
+          <a:p>
+            <a:pPr marL="0" indent="0">
+              <a:buNone/>
+            </a:pPr>
+            <a:endParaRPr lang="en-US" sz="2000" dirty="0">
+              <a:latin typeface="Courier New" charset="0"/>
+              <a:ea typeface="Courier New" charset="0"/>
+              <a:cs typeface="Courier New" charset="0"/>
+            </a:endParaRPr>
+          </a:p>
+          <a:p>
+            <a:pPr marL="0" indent="0">
+              <a:buNone/>
+            </a:pPr>
+            <a:r>
+              <a:rPr lang="en-US" sz="2000" dirty="0" err="1">
+                <a:latin typeface="Courier New" charset="0"/>
+                <a:ea typeface="Courier New" charset="0"/>
+                <a:cs typeface="Courier New" charset="0"/>
+              </a:rPr>
+              <a:t>Debian</a:t>
+            </a:r>
+            <a:r>
+              <a:rPr lang="en-US" sz="2000" dirty="0">
+                <a:latin typeface="Courier New" charset="0"/>
+                <a:ea typeface="Courier New" charset="0"/>
+                <a:cs typeface="Courier New" charset="0"/>
+              </a:rPr>
+              <a:t> GNU/Linux comes with ABSOLUTELY NO WARRANTY, to the extent</a:t>
+            </a:r>
+          </a:p>
+          <a:p>
+            <a:pPr marL="0" indent="0">
+              <a:buNone/>
+            </a:pPr>
+            <a:r>
+              <a:rPr lang="en-US" sz="2000" dirty="0">
+                <a:latin typeface="Courier New" charset="0"/>
+                <a:ea typeface="Courier New" charset="0"/>
+                <a:cs typeface="Courier New" charset="0"/>
+              </a:rPr>
+              <a:t>permitted by applicable law.</a:t>
+            </a:r>
+          </a:p>
+          <a:p>
+            <a:pPr marL="0" indent="0">
+              <a:buNone/>
+            </a:pPr>
+            <a:r>
+              <a:rPr lang="en-US" sz="2000" dirty="0">
+                <a:latin typeface="Courier New" charset="0"/>
+                <a:ea typeface="Courier New" charset="0"/>
+                <a:cs typeface="Courier New" charset="0"/>
+              </a:rPr>
+              <a:t>Last login: Mon Nov 28 09:17:26 </a:t>
+            </a:r>
+            <a:r>
+              <a:rPr lang="en-US" sz="2000" dirty="0" smtClean="0">
+                <a:latin typeface="Courier New" charset="0"/>
+                <a:ea typeface="Courier New" charset="0"/>
+                <a:cs typeface="Courier New" charset="0"/>
+              </a:rPr>
+              <a:t>2016</a:t>
+            </a:r>
+          </a:p>
+          <a:p>
+            <a:pPr marL="0" indent="0">
+              <a:buNone/>
+            </a:pPr>
+            <a:r>
+              <a:rPr lang="en-US" sz="2000" b="1" dirty="0" err="1">
+                <a:latin typeface="Courier New" charset="0"/>
+                <a:ea typeface="Courier New" charset="0"/>
+                <a:cs typeface="Courier New" charset="0"/>
+              </a:rPr>
+              <a:t>pi@raspberrypi</a:t>
+            </a:r>
+            <a:r>
+              <a:rPr lang="en-US" sz="2000" b="1" dirty="0">
+                <a:latin typeface="Courier New" charset="0"/>
+                <a:ea typeface="Courier New" charset="0"/>
+                <a:cs typeface="Courier New" charset="0"/>
+              </a:rPr>
+              <a:t>:~ $ </a:t>
+            </a:r>
+            <a:r>
+              <a:rPr lang="en-US" sz="2000" b="1" dirty="0" err="1" smtClean="0">
+                <a:latin typeface="Courier New" charset="0"/>
+                <a:ea typeface="Courier New" charset="0"/>
+                <a:cs typeface="Courier New" charset="0"/>
+              </a:rPr>
+              <a:t>sudo</a:t>
+            </a:r>
+            <a:r>
+              <a:rPr lang="en-US" sz="2000" b="1" dirty="0" smtClean="0">
+                <a:latin typeface="Courier New" charset="0"/>
+                <a:ea typeface="Courier New" charset="0"/>
+                <a:cs typeface="Courier New" charset="0"/>
+              </a:rPr>
+              <a:t> </a:t>
+            </a:r>
+            <a:r>
+              <a:rPr lang="en-US" sz="2000" b="1" dirty="0" err="1" smtClean="0">
+                <a:latin typeface="Courier New" charset="0"/>
+                <a:ea typeface="Courier New" charset="0"/>
+                <a:cs typeface="Courier New" charset="0"/>
+              </a:rPr>
+              <a:t>raspi-config</a:t>
+            </a:r>
+            <a:endParaRPr lang="en-US" sz="2000" b="1" dirty="0">
+              <a:latin typeface="Courier New" charset="0"/>
+              <a:ea typeface="Courier New" charset="0"/>
+              <a:cs typeface="Courier New" charset="0"/>
+            </a:endParaRPr>
+          </a:p>
+        </p:txBody>
+      </p:sp>
+    </p:spTree>
+    <p:extLst>
+      <p:ext uri="{BB962C8B-B14F-4D97-AF65-F5344CB8AC3E}">
+        <p14:creationId xmlns:p14="http://schemas.microsoft.com/office/powerpoint/2010/main" val="125155026"/>
+      </p:ext>
+    </p:extLst>
+  </p:cSld>
+  <p:clrMapOvr>
+    <a:masterClrMapping/>
+  </p:clrMapOvr>
+</p:sld>
+</file>
+
+<file path=ppt/slides/slide3.xml><?xml version="1.0" encoding="utf-8"?>
+<p:sld xmlns:a="http://schemas.openxmlformats.org/drawingml/2006/main" xmlns:r="http://schemas.openxmlformats.org/officeDocument/2006/relationships" xmlns:p="http://schemas.openxmlformats.org/presentationml/2006/main">
+  <p:cSld>
+    <p:spTree>
+      <p:nvGrpSpPr>
+        <p:cNvPr id="1" name=""/>
+        <p:cNvGrpSpPr/>
+        <p:nvPr/>
+      </p:nvGrpSpPr>
+      <p:grpSpPr>
+        <a:xfrm>
+          <a:off x="0" y="0"/>
+          <a:ext cx="0" cy="0"/>
+          <a:chOff x="0" y="0"/>
+          <a:chExt cx="0" cy="0"/>
+        </a:xfrm>
+      </p:grpSpPr>
+      <p:sp>
+        <p:nvSpPr>
+          <p:cNvPr id="2" name="Title 1"/>
+          <p:cNvSpPr>
+            <a:spLocks noGrp="1"/>
+          </p:cNvSpPr>
+          <p:nvPr>
+            <p:ph type="title"/>
           </p:nvPr>
         </p:nvSpPr>
         <p:spPr/>
@@ -3691,7 +4070,145 @@
           <a:bodyPr/>
           <a:lstStyle/>
           <a:p>
+            <a:r>
+              <a:rPr lang="en-US" dirty="0" err="1" smtClean="0"/>
+              <a:t>raspi-config</a:t>
+            </a:r>
             <a:endParaRPr lang="en-US" dirty="0"/>
+          </a:p>
+        </p:txBody>
+      </p:sp>
+      <p:sp>
+        <p:nvSpPr>
+          <p:cNvPr id="5" name="Rectangle 4"/>
+          <p:cNvSpPr/>
+          <p:nvPr/>
+        </p:nvSpPr>
+        <p:spPr>
+          <a:xfrm>
+            <a:off x="5897217" y="6637539"/>
+            <a:ext cx="6294783" cy="220461"/>
+          </a:xfrm>
+          <a:prstGeom prst="rect">
+            <a:avLst/>
+          </a:prstGeom>
+        </p:spPr>
+        <p:txBody>
+          <a:bodyPr wrap="square">
+            <a:spAutoFit/>
+          </a:bodyPr>
+          <a:lstStyle/>
+          <a:p>
+            <a:pPr algn="r"/>
+            <a:r>
+              <a:rPr lang="en-US" sz="800" dirty="0"/>
+              <a:t>https://</a:t>
+            </a:r>
+            <a:r>
+              <a:rPr lang="en-US" sz="800" dirty="0" err="1"/>
+              <a:t>www.raspberrypi.org</a:t>
+            </a:r>
+            <a:r>
+              <a:rPr lang="en-US" sz="800" dirty="0"/>
+              <a:t>/documentation/configuration/</a:t>
+            </a:r>
+            <a:r>
+              <a:rPr lang="en-US" sz="800" dirty="0" err="1"/>
+              <a:t>raspi-config.md</a:t>
+            </a:r>
+            <a:endParaRPr lang="en-US" sz="800" dirty="0"/>
+          </a:p>
+        </p:txBody>
+      </p:sp>
+      <p:pic>
+        <p:nvPicPr>
+          <p:cNvPr id="6" name="Picture 5"/>
+          <p:cNvPicPr>
+            <a:picLocks noChangeAspect="1"/>
+          </p:cNvPicPr>
+          <p:nvPr/>
+        </p:nvPicPr>
+        <p:blipFill>
+          <a:blip r:embed="rId2">
+            <a:extLst>
+              <a:ext uri="{28A0092B-C50C-407E-A947-70E740481C1C}">
+                <a14:useLocalDpi xmlns:a14="http://schemas.microsoft.com/office/drawing/2010/main" val="0"/>
+              </a:ext>
+            </a:extLst>
+          </a:blip>
+          <a:stretch>
+            <a:fillRect/>
+          </a:stretch>
+        </p:blipFill>
+        <p:spPr>
+          <a:xfrm>
+            <a:off x="1205949" y="-1"/>
+            <a:ext cx="10986052" cy="5270232"/>
+          </a:xfrm>
+          <a:prstGeom prst="rect">
+            <a:avLst/>
+          </a:prstGeom>
+        </p:spPr>
+      </p:pic>
+      <p:sp>
+        <p:nvSpPr>
+          <p:cNvPr id="7" name="TextBox 6"/>
+          <p:cNvSpPr txBox="1"/>
+          <p:nvPr/>
+        </p:nvSpPr>
+        <p:spPr>
+          <a:xfrm>
+            <a:off x="1205949" y="5230475"/>
+            <a:ext cx="6333722" cy="369332"/>
+          </a:xfrm>
+          <a:prstGeom prst="rect">
+            <a:avLst/>
+          </a:prstGeom>
+          <a:noFill/>
+        </p:spPr>
+        <p:txBody>
+          <a:bodyPr wrap="none" rtlCol="0">
+            <a:spAutoFit/>
+          </a:bodyPr>
+          <a:lstStyle/>
+          <a:p>
+            <a:r>
+              <a:rPr lang="en-US" dirty="0" smtClean="0">
+                <a:latin typeface="Open Sans Light" charset="0"/>
+                <a:ea typeface="Open Sans Light" charset="0"/>
+                <a:cs typeface="Open Sans Light" charset="0"/>
+              </a:rPr>
+              <a:t>Use keyboard up/down cursor keys, then </a:t>
+            </a:r>
+            <a:r>
+              <a:rPr lang="en-US" dirty="0" smtClean="0">
+                <a:latin typeface="Open Sans Light" charset="0"/>
+                <a:ea typeface="Open Sans Light" charset="0"/>
+                <a:cs typeface="Open Sans Light" charset="0"/>
+              </a:rPr>
+              <a:t>Enter key </a:t>
+            </a:r>
+            <a:r>
+              <a:rPr lang="en-US" dirty="0" smtClean="0">
+                <a:latin typeface="Open Sans Light" charset="0"/>
+                <a:ea typeface="Open Sans Light" charset="0"/>
+                <a:cs typeface="Open Sans Light" charset="0"/>
+              </a:rPr>
+              <a:t>to </a:t>
+            </a:r>
+            <a:r>
+              <a:rPr lang="en-US" dirty="0" smtClean="0">
+                <a:latin typeface="Open Sans Light" charset="0"/>
+                <a:ea typeface="Open Sans Light" charset="0"/>
+                <a:cs typeface="Open Sans Light" charset="0"/>
+              </a:rPr>
+              <a:t>select.</a:t>
+            </a:r>
+            <a:endParaRPr lang="en-US" dirty="0">
+              <a:latin typeface="Open Sans Light" charset="0"/>
+              <a:ea typeface="Open Sans Light" charset="0"/>
+              <a:cs typeface="Open Sans Light" charset="0"/>
+            </a:endParaRPr>
           </a:p>
         </p:txBody>
       </p:sp>
@@ -3699,6 +4216,644 @@
     <p:extLst>
       <p:ext uri="{BB962C8B-B14F-4D97-AF65-F5344CB8AC3E}">
         <p14:creationId xmlns:p14="http://schemas.microsoft.com/office/powerpoint/2010/main" val="42988800"/>
+      </p:ext>
+    </p:extLst>
+  </p:cSld>
+  <p:clrMapOvr>
+    <a:masterClrMapping/>
+  </p:clrMapOvr>
+</p:sld>
+</file>
+
+<file path=ppt/slides/slide4.xml><?xml version="1.0" encoding="utf-8"?>
+<p:sld xmlns:a="http://schemas.openxmlformats.org/drawingml/2006/main" xmlns:r="http://schemas.openxmlformats.org/officeDocument/2006/relationships" xmlns:p="http://schemas.openxmlformats.org/presentationml/2006/main">
+  <p:cSld>
+    <p:spTree>
+      <p:nvGrpSpPr>
+        <p:cNvPr id="1" name=""/>
+        <p:cNvGrpSpPr/>
+        <p:nvPr/>
+      </p:nvGrpSpPr>
+      <p:grpSpPr>
+        <a:xfrm>
+          <a:off x="0" y="0"/>
+          <a:ext cx="0" cy="0"/>
+          <a:chOff x="0" y="0"/>
+          <a:chExt cx="0" cy="0"/>
+        </a:xfrm>
+      </p:grpSpPr>
+      <p:sp>
+        <p:nvSpPr>
+          <p:cNvPr id="2" name="Title 1"/>
+          <p:cNvSpPr>
+            <a:spLocks noGrp="1"/>
+          </p:cNvSpPr>
+          <p:nvPr>
+            <p:ph type="title"/>
+          </p:nvPr>
+        </p:nvSpPr>
+        <p:spPr/>
+        <p:txBody>
+          <a:bodyPr/>
+          <a:lstStyle/>
+          <a:p>
+            <a:r>
+              <a:rPr lang="en-US" dirty="0" err="1" smtClean="0"/>
+              <a:t>raspi-config</a:t>
+            </a:r>
+            <a:r>
+              <a:rPr lang="en-US" dirty="0" smtClean="0"/>
+              <a:t> Locale</a:t>
+            </a:r>
+            <a:endParaRPr lang="en-US" dirty="0"/>
+          </a:p>
+        </p:txBody>
+      </p:sp>
+      <p:sp>
+        <p:nvSpPr>
+          <p:cNvPr id="5" name="Rectangle 4"/>
+          <p:cNvSpPr/>
+          <p:nvPr/>
+        </p:nvSpPr>
+        <p:spPr>
+          <a:xfrm>
+            <a:off x="5897217" y="6637539"/>
+            <a:ext cx="6294783" cy="220461"/>
+          </a:xfrm>
+          <a:prstGeom prst="rect">
+            <a:avLst/>
+          </a:prstGeom>
+        </p:spPr>
+        <p:txBody>
+          <a:bodyPr wrap="square">
+            <a:spAutoFit/>
+          </a:bodyPr>
+          <a:lstStyle/>
+          <a:p>
+            <a:pPr algn="r"/>
+            <a:r>
+              <a:rPr lang="en-US" sz="800" dirty="0"/>
+              <a:t>https://</a:t>
+            </a:r>
+            <a:r>
+              <a:rPr lang="en-US" sz="800" dirty="0" err="1"/>
+              <a:t>www.raspberrypi.org</a:t>
+            </a:r>
+            <a:r>
+              <a:rPr lang="en-US" sz="800" dirty="0"/>
+              <a:t>/documentation/configuration/</a:t>
+            </a:r>
+            <a:r>
+              <a:rPr lang="en-US" sz="800" dirty="0" err="1"/>
+              <a:t>raspi-config.md</a:t>
+            </a:r>
+            <a:endParaRPr lang="en-US" sz="800" dirty="0"/>
+          </a:p>
+        </p:txBody>
+      </p:sp>
+      <p:sp>
+        <p:nvSpPr>
+          <p:cNvPr id="7" name="TextBox 6"/>
+          <p:cNvSpPr txBox="1"/>
+          <p:nvPr/>
+        </p:nvSpPr>
+        <p:spPr>
+          <a:xfrm>
+            <a:off x="3193773" y="5734325"/>
+            <a:ext cx="6167779" cy="369332"/>
+          </a:xfrm>
+          <a:prstGeom prst="rect">
+            <a:avLst/>
+          </a:prstGeom>
+          <a:noFill/>
+        </p:spPr>
+        <p:txBody>
+          <a:bodyPr wrap="none" rtlCol="0">
+            <a:spAutoFit/>
+          </a:bodyPr>
+          <a:lstStyle/>
+          <a:p>
+            <a:r>
+              <a:rPr lang="en-US" dirty="0" smtClean="0">
+                <a:latin typeface="Open Sans Light" charset="0"/>
+                <a:ea typeface="Open Sans Light" charset="0"/>
+                <a:cs typeface="Open Sans Light" charset="0"/>
+              </a:rPr>
+              <a:t>Use keyboard up/down cursor keys, then Tab key </a:t>
+            </a:r>
+            <a:r>
+              <a:rPr lang="en-US" smtClean="0">
+                <a:latin typeface="Open Sans Light" charset="0"/>
+                <a:ea typeface="Open Sans Light" charset="0"/>
+                <a:cs typeface="Open Sans Light" charset="0"/>
+              </a:rPr>
+              <a:t>to &lt;Ok&gt;.</a:t>
+            </a:r>
+            <a:endParaRPr lang="en-US" dirty="0">
+              <a:latin typeface="Open Sans Light" charset="0"/>
+              <a:ea typeface="Open Sans Light" charset="0"/>
+              <a:cs typeface="Open Sans Light" charset="0"/>
+            </a:endParaRPr>
+          </a:p>
+        </p:txBody>
+      </p:sp>
+      <p:pic>
+        <p:nvPicPr>
+          <p:cNvPr id="3" name="Picture 2"/>
+          <p:cNvPicPr>
+            <a:picLocks noChangeAspect="1"/>
+          </p:cNvPicPr>
+          <p:nvPr/>
+        </p:nvPicPr>
+        <p:blipFill>
+          <a:blip r:embed="rId2">
+            <a:extLst>
+              <a:ext uri="{28A0092B-C50C-407E-A947-70E740481C1C}">
+                <a14:useLocalDpi xmlns:a14="http://schemas.microsoft.com/office/drawing/2010/main" val="0"/>
+              </a:ext>
+            </a:extLst>
+          </a:blip>
+          <a:stretch>
+            <a:fillRect/>
+          </a:stretch>
+        </p:blipFill>
+        <p:spPr>
+          <a:xfrm>
+            <a:off x="1815547" y="202095"/>
+            <a:ext cx="9963417" cy="1149625"/>
+          </a:xfrm>
+          <a:prstGeom prst="rect">
+            <a:avLst/>
+          </a:prstGeom>
+        </p:spPr>
+      </p:pic>
+      <p:pic>
+        <p:nvPicPr>
+          <p:cNvPr id="4" name="Picture 3"/>
+          <p:cNvPicPr>
+            <a:picLocks noChangeAspect="1"/>
+          </p:cNvPicPr>
+          <p:nvPr/>
+        </p:nvPicPr>
+        <p:blipFill>
+          <a:blip r:embed="rId3">
+            <a:extLst>
+              <a:ext uri="{28A0092B-C50C-407E-A947-70E740481C1C}">
+                <a14:useLocalDpi xmlns:a14="http://schemas.microsoft.com/office/drawing/2010/main" val="0"/>
+              </a:ext>
+            </a:extLst>
+          </a:blip>
+          <a:stretch>
+            <a:fillRect/>
+          </a:stretch>
+        </p:blipFill>
+        <p:spPr>
+          <a:xfrm>
+            <a:off x="2723864" y="1417981"/>
+            <a:ext cx="9055100" cy="4356100"/>
+          </a:xfrm>
+          <a:prstGeom prst="rect">
+            <a:avLst/>
+          </a:prstGeom>
+        </p:spPr>
+      </p:pic>
+      <p:sp>
+        <p:nvSpPr>
+          <p:cNvPr id="6" name="Rectangle 5"/>
+          <p:cNvSpPr/>
+          <p:nvPr/>
+        </p:nvSpPr>
+        <p:spPr>
+          <a:xfrm>
+            <a:off x="6833296" y="3809964"/>
+            <a:ext cx="2528256" cy="369332"/>
+          </a:xfrm>
+          <a:prstGeom prst="rect">
+            <a:avLst/>
+          </a:prstGeom>
+        </p:spPr>
+        <p:txBody>
+          <a:bodyPr wrap="none">
+            <a:spAutoFit/>
+          </a:bodyPr>
+          <a:lstStyle/>
+          <a:p>
+            <a:r>
+              <a:rPr lang="en-US">
+                <a:solidFill>
+                  <a:srgbClr val="222222"/>
+                </a:solidFill>
+                <a:latin typeface="Courier" charset="0"/>
+              </a:rPr>
+              <a:t>en_GB.UTF-8 UTF-8</a:t>
+            </a:r>
+            <a:endParaRPr lang="en-US"/>
+          </a:p>
+        </p:txBody>
+      </p:sp>
+    </p:spTree>
+    <p:extLst>
+      <p:ext uri="{BB962C8B-B14F-4D97-AF65-F5344CB8AC3E}">
+        <p14:creationId xmlns:p14="http://schemas.microsoft.com/office/powerpoint/2010/main" val="662025456"/>
+      </p:ext>
+    </p:extLst>
+  </p:cSld>
+  <p:clrMapOvr>
+    <a:masterClrMapping/>
+  </p:clrMapOvr>
+</p:sld>
+</file>
+
+<file path=ppt/slides/slide5.xml><?xml version="1.0" encoding="utf-8"?>
+<p:sld xmlns:a="http://schemas.openxmlformats.org/drawingml/2006/main" xmlns:r="http://schemas.openxmlformats.org/officeDocument/2006/relationships" xmlns:p="http://schemas.openxmlformats.org/presentationml/2006/main">
+  <p:cSld>
+    <p:spTree>
+      <p:nvGrpSpPr>
+        <p:cNvPr id="1" name=""/>
+        <p:cNvGrpSpPr/>
+        <p:nvPr/>
+      </p:nvGrpSpPr>
+      <p:grpSpPr>
+        <a:xfrm>
+          <a:off x="0" y="0"/>
+          <a:ext cx="0" cy="0"/>
+          <a:chOff x="0" y="0"/>
+          <a:chExt cx="0" cy="0"/>
+        </a:xfrm>
+      </p:grpSpPr>
+      <p:sp>
+        <p:nvSpPr>
+          <p:cNvPr id="2" name="Title 1"/>
+          <p:cNvSpPr>
+            <a:spLocks noGrp="1"/>
+          </p:cNvSpPr>
+          <p:nvPr>
+            <p:ph type="title"/>
+          </p:nvPr>
+        </p:nvSpPr>
+        <p:spPr/>
+        <p:txBody>
+          <a:bodyPr/>
+          <a:lstStyle/>
+          <a:p>
+            <a:r>
+              <a:rPr lang="en-US" dirty="0" smtClean="0"/>
+              <a:t>Jessie Pi Preferences Configuration</a:t>
+            </a:r>
+            <a:endParaRPr lang="en-US" dirty="0"/>
+          </a:p>
+        </p:txBody>
+      </p:sp>
+      <p:sp>
+        <p:nvSpPr>
+          <p:cNvPr id="5" name="Rectangle 4"/>
+          <p:cNvSpPr/>
+          <p:nvPr/>
+        </p:nvSpPr>
+        <p:spPr>
+          <a:xfrm>
+            <a:off x="5897217" y="6637539"/>
+            <a:ext cx="6294783" cy="220461"/>
+          </a:xfrm>
+          <a:prstGeom prst="rect">
+            <a:avLst/>
+          </a:prstGeom>
+        </p:spPr>
+        <p:txBody>
+          <a:bodyPr wrap="square">
+            <a:spAutoFit/>
+          </a:bodyPr>
+          <a:lstStyle/>
+          <a:p>
+            <a:pPr algn="r"/>
+            <a:r>
+              <a:rPr lang="en-US" sz="800" dirty="0"/>
+              <a:t>https://</a:t>
+            </a:r>
+            <a:r>
+              <a:rPr lang="en-US" sz="800" dirty="0" err="1"/>
+              <a:t>www.raspberrypi.org</a:t>
+            </a:r>
+            <a:r>
+              <a:rPr lang="en-US" sz="800" dirty="0"/>
+              <a:t>/learning/getting-started-with-</a:t>
+            </a:r>
+            <a:r>
+              <a:rPr lang="en-US" sz="800" dirty="0" err="1"/>
+              <a:t>picamera</a:t>
+            </a:r>
+            <a:r>
+              <a:rPr lang="en-US" sz="800" dirty="0"/>
+              <a:t>/images/</a:t>
+            </a:r>
+            <a:r>
+              <a:rPr lang="en-US" sz="800" dirty="0" err="1"/>
+              <a:t>raspi-config-menu.png</a:t>
+            </a:r>
+            <a:endParaRPr lang="en-US" sz="800" dirty="0"/>
+          </a:p>
+        </p:txBody>
+      </p:sp>
+      <p:pic>
+        <p:nvPicPr>
+          <p:cNvPr id="7" name="Picture 6"/>
+          <p:cNvPicPr>
+            <a:picLocks noChangeAspect="1"/>
+          </p:cNvPicPr>
+          <p:nvPr/>
+        </p:nvPicPr>
+        <p:blipFill>
+          <a:blip r:embed="rId2">
+            <a:extLst>
+              <a:ext uri="{28A0092B-C50C-407E-A947-70E740481C1C}">
+                <a14:useLocalDpi xmlns:a14="http://schemas.microsoft.com/office/drawing/2010/main" val="0"/>
+              </a:ext>
+            </a:extLst>
+          </a:blip>
+          <a:stretch>
+            <a:fillRect/>
+          </a:stretch>
+        </p:blipFill>
+        <p:spPr>
+          <a:xfrm>
+            <a:off x="5124450" y="0"/>
+            <a:ext cx="7067550" cy="5981700"/>
+          </a:xfrm>
+          <a:prstGeom prst="rect">
+            <a:avLst/>
+          </a:prstGeom>
+        </p:spPr>
+      </p:pic>
+    </p:spTree>
+    <p:extLst>
+      <p:ext uri="{BB962C8B-B14F-4D97-AF65-F5344CB8AC3E}">
+        <p14:creationId xmlns:p14="http://schemas.microsoft.com/office/powerpoint/2010/main" val="966943621"/>
+      </p:ext>
+    </p:extLst>
+  </p:cSld>
+  <p:clrMapOvr>
+    <a:masterClrMapping/>
+  </p:clrMapOvr>
+</p:sld>
+</file>
+
+<file path=ppt/slides/slide6.xml><?xml version="1.0" encoding="utf-8"?>
+<p:sld xmlns:a="http://schemas.openxmlformats.org/drawingml/2006/main" xmlns:r="http://schemas.openxmlformats.org/officeDocument/2006/relationships" xmlns:p="http://schemas.openxmlformats.org/presentationml/2006/main">
+  <p:cSld>
+    <p:spTree>
+      <p:nvGrpSpPr>
+        <p:cNvPr id="1" name=""/>
+        <p:cNvGrpSpPr/>
+        <p:nvPr/>
+      </p:nvGrpSpPr>
+      <p:grpSpPr>
+        <a:xfrm>
+          <a:off x="0" y="0"/>
+          <a:ext cx="0" cy="0"/>
+          <a:chOff x="0" y="0"/>
+          <a:chExt cx="0" cy="0"/>
+        </a:xfrm>
+      </p:grpSpPr>
+      <p:sp>
+        <p:nvSpPr>
+          <p:cNvPr id="2" name="Title 1"/>
+          <p:cNvSpPr>
+            <a:spLocks noGrp="1"/>
+          </p:cNvSpPr>
+          <p:nvPr>
+            <p:ph type="title"/>
+          </p:nvPr>
+        </p:nvSpPr>
+        <p:spPr/>
+        <p:txBody>
+          <a:bodyPr/>
+          <a:lstStyle/>
+          <a:p>
+            <a:r>
+              <a:rPr lang="en-US" dirty="0" smtClean="0"/>
+              <a:t>Jessie Pi Preferences Configuration Camera</a:t>
+            </a:r>
+            <a:endParaRPr lang="en-US" dirty="0"/>
+          </a:p>
+        </p:txBody>
+      </p:sp>
+      <p:sp>
+        <p:nvSpPr>
+          <p:cNvPr id="5" name="Rectangle 4"/>
+          <p:cNvSpPr/>
+          <p:nvPr/>
+        </p:nvSpPr>
+        <p:spPr>
+          <a:xfrm>
+            <a:off x="5897217" y="6637539"/>
+            <a:ext cx="6294783" cy="220461"/>
+          </a:xfrm>
+          <a:prstGeom prst="rect">
+            <a:avLst/>
+          </a:prstGeom>
+        </p:spPr>
+        <p:txBody>
+          <a:bodyPr wrap="square">
+            <a:spAutoFit/>
+          </a:bodyPr>
+          <a:lstStyle/>
+          <a:p>
+            <a:pPr algn="r"/>
+            <a:r>
+              <a:rPr lang="en-US" sz="800" dirty="0"/>
+              <a:t>https://</a:t>
+            </a:r>
+            <a:r>
+              <a:rPr lang="en-US" sz="800" dirty="0" err="1"/>
+              <a:t>www.raspberrypi.org</a:t>
+            </a:r>
+            <a:r>
+              <a:rPr lang="en-US" sz="800" dirty="0"/>
+              <a:t>/learning/getting-started-with-</a:t>
+            </a:r>
+            <a:r>
+              <a:rPr lang="en-US" sz="800" dirty="0" err="1"/>
+              <a:t>picamera</a:t>
+            </a:r>
+            <a:r>
+              <a:rPr lang="en-US" sz="800" dirty="0"/>
+              <a:t>/images/</a:t>
+            </a:r>
+            <a:r>
+              <a:rPr lang="en-US" sz="800" dirty="0" err="1"/>
+              <a:t>raspi-config-menu.png</a:t>
+            </a:r>
+            <a:endParaRPr lang="en-US" sz="800" dirty="0"/>
+          </a:p>
+        </p:txBody>
+      </p:sp>
+      <p:pic>
+        <p:nvPicPr>
+          <p:cNvPr id="3" name="Picture 2"/>
+          <p:cNvPicPr>
+            <a:picLocks noChangeAspect="1"/>
+          </p:cNvPicPr>
+          <p:nvPr/>
+        </p:nvPicPr>
+        <p:blipFill>
+          <a:blip r:embed="rId2">
+            <a:extLst>
+              <a:ext uri="{28A0092B-C50C-407E-A947-70E740481C1C}">
+                <a14:useLocalDpi xmlns:a14="http://schemas.microsoft.com/office/drawing/2010/main" val="0"/>
+              </a:ext>
+            </a:extLst>
+          </a:blip>
+          <a:stretch>
+            <a:fillRect/>
+          </a:stretch>
+        </p:blipFill>
+        <p:spPr>
+          <a:xfrm>
+            <a:off x="5943600" y="0"/>
+            <a:ext cx="6248400" cy="5384800"/>
+          </a:xfrm>
+          <a:prstGeom prst="rect">
+            <a:avLst/>
+          </a:prstGeom>
+        </p:spPr>
+      </p:pic>
+    </p:spTree>
+    <p:extLst>
+      <p:ext uri="{BB962C8B-B14F-4D97-AF65-F5344CB8AC3E}">
+        <p14:creationId xmlns:p14="http://schemas.microsoft.com/office/powerpoint/2010/main" val="1973930697"/>
+      </p:ext>
+    </p:extLst>
+  </p:cSld>
+  <p:clrMapOvr>
+    <a:masterClrMapping/>
+  </p:clrMapOvr>
+</p:sld>
+</file>
+
+<file path=ppt/slides/slide7.xml><?xml version="1.0" encoding="utf-8"?>
+<p:sld xmlns:a="http://schemas.openxmlformats.org/drawingml/2006/main" xmlns:r="http://schemas.openxmlformats.org/officeDocument/2006/relationships" xmlns:p="http://schemas.openxmlformats.org/presentationml/2006/main">
+  <p:cSld>
+    <p:spTree>
+      <p:nvGrpSpPr>
+        <p:cNvPr id="1" name=""/>
+        <p:cNvGrpSpPr/>
+        <p:nvPr/>
+      </p:nvGrpSpPr>
+      <p:grpSpPr>
+        <a:xfrm>
+          <a:off x="0" y="0"/>
+          <a:ext cx="0" cy="0"/>
+          <a:chOff x="0" y="0"/>
+          <a:chExt cx="0" cy="0"/>
+        </a:xfrm>
+      </p:grpSpPr>
+      <p:sp>
+        <p:nvSpPr>
+          <p:cNvPr id="2" name="Title 1"/>
+          <p:cNvSpPr>
+            <a:spLocks noGrp="1"/>
+          </p:cNvSpPr>
+          <p:nvPr>
+            <p:ph type="title"/>
+          </p:nvPr>
+        </p:nvSpPr>
+        <p:spPr/>
+        <p:txBody>
+          <a:bodyPr/>
+          <a:lstStyle/>
+          <a:p>
+            <a:r>
+              <a:rPr lang="en-US" dirty="0" smtClean="0"/>
+              <a:t>Jessie Pi Python IDLE</a:t>
+            </a:r>
+            <a:endParaRPr lang="en-US" dirty="0"/>
+          </a:p>
+        </p:txBody>
+      </p:sp>
+      <p:sp>
+        <p:nvSpPr>
+          <p:cNvPr id="5" name="Rectangle 4"/>
+          <p:cNvSpPr/>
+          <p:nvPr/>
+        </p:nvSpPr>
+        <p:spPr>
+          <a:xfrm>
+            <a:off x="5897217" y="6637539"/>
+            <a:ext cx="6294783" cy="220461"/>
+          </a:xfrm>
+          <a:prstGeom prst="rect">
+            <a:avLst/>
+          </a:prstGeom>
+        </p:spPr>
+        <p:txBody>
+          <a:bodyPr wrap="square">
+            <a:spAutoFit/>
+          </a:bodyPr>
+          <a:lstStyle/>
+          <a:p>
+            <a:pPr algn="r"/>
+            <a:r>
+              <a:rPr lang="en-US" sz="800" dirty="0"/>
+              <a:t>https://</a:t>
+            </a:r>
+            <a:r>
+              <a:rPr lang="en-US" sz="800" dirty="0" err="1"/>
+              <a:t>www.raspberrypi.org</a:t>
+            </a:r>
+            <a:r>
+              <a:rPr lang="en-US" sz="800" dirty="0"/>
+              <a:t>/learning/getting-started-with-</a:t>
+            </a:r>
+            <a:r>
+              <a:rPr lang="en-US" sz="800" dirty="0" err="1"/>
+              <a:t>picamera</a:t>
+            </a:r>
+            <a:r>
+              <a:rPr lang="en-US" sz="800" dirty="0"/>
+              <a:t>/images/</a:t>
+            </a:r>
+            <a:r>
+              <a:rPr lang="en-US" sz="800" dirty="0" err="1"/>
+              <a:t>raspi-config-menu.png</a:t>
+            </a:r>
+            <a:endParaRPr lang="en-US" sz="800" dirty="0"/>
+          </a:p>
+        </p:txBody>
+      </p:sp>
+      <p:pic>
+        <p:nvPicPr>
+          <p:cNvPr id="3" name="Picture 2"/>
+          <p:cNvPicPr>
+            <a:picLocks noChangeAspect="1"/>
+          </p:cNvPicPr>
+          <p:nvPr/>
+        </p:nvPicPr>
+        <p:blipFill>
+          <a:blip r:embed="rId2">
+            <a:extLst>
+              <a:ext uri="{28A0092B-C50C-407E-A947-70E740481C1C}">
+                <a14:useLocalDpi xmlns:a14="http://schemas.microsoft.com/office/drawing/2010/main" val="0"/>
+              </a:ext>
+            </a:extLst>
+          </a:blip>
+          <a:stretch>
+            <a:fillRect/>
+          </a:stretch>
+        </p:blipFill>
+        <p:spPr>
+          <a:xfrm>
+            <a:off x="4095750" y="0"/>
+            <a:ext cx="8096250" cy="4914900"/>
+          </a:xfrm>
+          <a:prstGeom prst="rect">
+            <a:avLst/>
+          </a:prstGeom>
+        </p:spPr>
+      </p:pic>
+    </p:spTree>
+    <p:extLst>
+      <p:ext uri="{BB962C8B-B14F-4D97-AF65-F5344CB8AC3E}">
+        <p14:creationId xmlns:p14="http://schemas.microsoft.com/office/powerpoint/2010/main" val="1791920336"/>
       </p:ext>
     </p:extLst>
   </p:cSld>

--- a/fig/iot rpi pins gpio v01.pptx
+++ b/fig/iot rpi pins gpio v01.pptx
@@ -4,14 +4,18 @@
   <p:sldMasterIdLst>
     <p:sldMasterId id="2147483648" r:id="rId1"/>
   </p:sldMasterIdLst>
+  <p:notesMasterIdLst>
+    <p:notesMasterId r:id="rId10"/>
+  </p:notesMasterIdLst>
   <p:sldIdLst>
     <p:sldId id="257" r:id="rId2"/>
-    <p:sldId id="259" r:id="rId3"/>
-    <p:sldId id="258" r:id="rId4"/>
-    <p:sldId id="263" r:id="rId5"/>
-    <p:sldId id="260" r:id="rId6"/>
-    <p:sldId id="261" r:id="rId7"/>
-    <p:sldId id="262" r:id="rId8"/>
+    <p:sldId id="264" r:id="rId3"/>
+    <p:sldId id="259" r:id="rId4"/>
+    <p:sldId id="258" r:id="rId5"/>
+    <p:sldId id="263" r:id="rId6"/>
+    <p:sldId id="260" r:id="rId7"/>
+    <p:sldId id="261" r:id="rId8"/>
+    <p:sldId id="262" r:id="rId9"/>
   </p:sldIdLst>
   <p:sldSz cx="12192000" cy="6858000"/>
   <p:notesSz cx="6858000" cy="9144000"/>
@@ -118,6 +122,476 @@
 </p:presentation>
 </file>
 
+<file path=ppt/notesMasters/notesMaster1.xml><?xml version="1.0" encoding="utf-8"?>
+<p:notesMaster xmlns:a="http://schemas.openxmlformats.org/drawingml/2006/main" xmlns:r="http://schemas.openxmlformats.org/officeDocument/2006/relationships" xmlns:p="http://schemas.openxmlformats.org/presentationml/2006/main">
+  <p:cSld>
+    <p:bg>
+      <p:bgRef idx="1001">
+        <a:schemeClr val="bg1"/>
+      </p:bgRef>
+    </p:bg>
+    <p:spTree>
+      <p:nvGrpSpPr>
+        <p:cNvPr id="1" name=""/>
+        <p:cNvGrpSpPr/>
+        <p:nvPr/>
+      </p:nvGrpSpPr>
+      <p:grpSpPr>
+        <a:xfrm>
+          <a:off x="0" y="0"/>
+          <a:ext cx="0" cy="0"/>
+          <a:chOff x="0" y="0"/>
+          <a:chExt cx="0" cy="0"/>
+        </a:xfrm>
+      </p:grpSpPr>
+      <p:sp>
+        <p:nvSpPr>
+          <p:cNvPr id="2" name="Header Placeholder 1"/>
+          <p:cNvSpPr>
+            <a:spLocks noGrp="1"/>
+          </p:cNvSpPr>
+          <p:nvPr>
+            <p:ph type="hdr" sz="quarter"/>
+          </p:nvPr>
+        </p:nvSpPr>
+        <p:spPr>
+          <a:xfrm>
+            <a:off x="0" y="0"/>
+            <a:ext cx="2971800" cy="458788"/>
+          </a:xfrm>
+          <a:prstGeom prst="rect">
+            <a:avLst/>
+          </a:prstGeom>
+        </p:spPr>
+        <p:txBody>
+          <a:bodyPr vert="horz" lIns="91440" tIns="45720" rIns="91440" bIns="45720" rtlCol="0"/>
+          <a:lstStyle>
+            <a:lvl1pPr algn="l">
+              <a:defRPr sz="1200"/>
+            </a:lvl1pPr>
+          </a:lstStyle>
+          <a:p>
+            <a:endParaRPr lang="en-US"/>
+          </a:p>
+        </p:txBody>
+      </p:sp>
+      <p:sp>
+        <p:nvSpPr>
+          <p:cNvPr id="3" name="Date Placeholder 2"/>
+          <p:cNvSpPr>
+            <a:spLocks noGrp="1"/>
+          </p:cNvSpPr>
+          <p:nvPr>
+            <p:ph type="dt" idx="1"/>
+          </p:nvPr>
+        </p:nvSpPr>
+        <p:spPr>
+          <a:xfrm>
+            <a:off x="3884613" y="0"/>
+            <a:ext cx="2971800" cy="458788"/>
+          </a:xfrm>
+          <a:prstGeom prst="rect">
+            <a:avLst/>
+          </a:prstGeom>
+        </p:spPr>
+        <p:txBody>
+          <a:bodyPr vert="horz" lIns="91440" tIns="45720" rIns="91440" bIns="45720" rtlCol="0"/>
+          <a:lstStyle>
+            <a:lvl1pPr algn="r">
+              <a:defRPr sz="1200"/>
+            </a:lvl1pPr>
+          </a:lstStyle>
+          <a:p>
+            <a:fld id="{A31A578D-43E1-9A42-B6CE-3DE9639A585A}" type="datetimeFigureOut">
+              <a:rPr lang="en-US" smtClean="0"/>
+              <a:t>12/4/16</a:t>
+            </a:fld>
+            <a:endParaRPr lang="en-US"/>
+          </a:p>
+        </p:txBody>
+      </p:sp>
+      <p:sp>
+        <p:nvSpPr>
+          <p:cNvPr id="4" name="Slide Image Placeholder 3"/>
+          <p:cNvSpPr>
+            <a:spLocks noGrp="1" noRot="1" noChangeAspect="1"/>
+          </p:cNvSpPr>
+          <p:nvPr>
+            <p:ph type="sldImg" idx="2"/>
+          </p:nvPr>
+        </p:nvSpPr>
+        <p:spPr>
+          <a:xfrm>
+            <a:off x="685800" y="1143000"/>
+            <a:ext cx="5486400" cy="3086100"/>
+          </a:xfrm>
+          <a:prstGeom prst="rect">
+            <a:avLst/>
+          </a:prstGeom>
+          <a:noFill/>
+          <a:ln w="12700">
+            <a:solidFill>
+              <a:prstClr val="black"/>
+            </a:solidFill>
+          </a:ln>
+        </p:spPr>
+        <p:txBody>
+          <a:bodyPr vert="horz" lIns="91440" tIns="45720" rIns="91440" bIns="45720" rtlCol="0" anchor="ctr"/>
+          <a:lstStyle/>
+          <a:p>
+            <a:endParaRPr lang="en-US"/>
+          </a:p>
+        </p:txBody>
+      </p:sp>
+      <p:sp>
+        <p:nvSpPr>
+          <p:cNvPr id="5" name="Notes Placeholder 4"/>
+          <p:cNvSpPr>
+            <a:spLocks noGrp="1"/>
+          </p:cNvSpPr>
+          <p:nvPr>
+            <p:ph type="body" sz="quarter" idx="3"/>
+          </p:nvPr>
+        </p:nvSpPr>
+        <p:spPr>
+          <a:xfrm>
+            <a:off x="685800" y="4400550"/>
+            <a:ext cx="5486400" cy="3600450"/>
+          </a:xfrm>
+          <a:prstGeom prst="rect">
+            <a:avLst/>
+          </a:prstGeom>
+        </p:spPr>
+        <p:txBody>
+          <a:bodyPr vert="horz" lIns="91440" tIns="45720" rIns="91440" bIns="45720" rtlCol="0"/>
+          <a:lstStyle/>
+          <a:p>
+            <a:pPr lvl="0"/>
+            <a:r>
+              <a:rPr lang="en-US" smtClean="0"/>
+              <a:t>Click to edit Master text styles</a:t>
+            </a:r>
+          </a:p>
+          <a:p>
+            <a:pPr lvl="1"/>
+            <a:r>
+              <a:rPr lang="en-US" smtClean="0"/>
+              <a:t>Second level</a:t>
+            </a:r>
+          </a:p>
+          <a:p>
+            <a:pPr lvl="2"/>
+            <a:r>
+              <a:rPr lang="en-US" smtClean="0"/>
+              <a:t>Third level</a:t>
+            </a:r>
+          </a:p>
+          <a:p>
+            <a:pPr lvl="3"/>
+            <a:r>
+              <a:rPr lang="en-US" smtClean="0"/>
+              <a:t>Fourth level</a:t>
+            </a:r>
+          </a:p>
+          <a:p>
+            <a:pPr lvl="4"/>
+            <a:r>
+              <a:rPr lang="en-US" smtClean="0"/>
+              <a:t>Fifth level</a:t>
+            </a:r>
+            <a:endParaRPr lang="en-US"/>
+          </a:p>
+        </p:txBody>
+      </p:sp>
+      <p:sp>
+        <p:nvSpPr>
+          <p:cNvPr id="6" name="Footer Placeholder 5"/>
+          <p:cNvSpPr>
+            <a:spLocks noGrp="1"/>
+          </p:cNvSpPr>
+          <p:nvPr>
+            <p:ph type="ftr" sz="quarter" idx="4"/>
+          </p:nvPr>
+        </p:nvSpPr>
+        <p:spPr>
+          <a:xfrm>
+            <a:off x="0" y="8685213"/>
+            <a:ext cx="2971800" cy="458787"/>
+          </a:xfrm>
+          <a:prstGeom prst="rect">
+            <a:avLst/>
+          </a:prstGeom>
+        </p:spPr>
+        <p:txBody>
+          <a:bodyPr vert="horz" lIns="91440" tIns="45720" rIns="91440" bIns="45720" rtlCol="0" anchor="b"/>
+          <a:lstStyle>
+            <a:lvl1pPr algn="l">
+              <a:defRPr sz="1200"/>
+            </a:lvl1pPr>
+          </a:lstStyle>
+          <a:p>
+            <a:endParaRPr lang="en-US"/>
+          </a:p>
+        </p:txBody>
+      </p:sp>
+      <p:sp>
+        <p:nvSpPr>
+          <p:cNvPr id="7" name="Slide Number Placeholder 6"/>
+          <p:cNvSpPr>
+            <a:spLocks noGrp="1"/>
+          </p:cNvSpPr>
+          <p:nvPr>
+            <p:ph type="sldNum" sz="quarter" idx="5"/>
+          </p:nvPr>
+        </p:nvSpPr>
+        <p:spPr>
+          <a:xfrm>
+            <a:off x="3884613" y="8685213"/>
+            <a:ext cx="2971800" cy="458787"/>
+          </a:xfrm>
+          <a:prstGeom prst="rect">
+            <a:avLst/>
+          </a:prstGeom>
+        </p:spPr>
+        <p:txBody>
+          <a:bodyPr vert="horz" lIns="91440" tIns="45720" rIns="91440" bIns="45720" rtlCol="0" anchor="b"/>
+          <a:lstStyle>
+            <a:lvl1pPr algn="r">
+              <a:defRPr sz="1200"/>
+            </a:lvl1pPr>
+          </a:lstStyle>
+          <a:p>
+            <a:fld id="{2C811450-7C3A-CE48-833F-FB5065C95781}" type="slidenum">
+              <a:rPr lang="en-US" smtClean="0"/>
+              <a:t>‹#›</a:t>
+            </a:fld>
+            <a:endParaRPr lang="en-US"/>
+          </a:p>
+        </p:txBody>
+      </p:sp>
+    </p:spTree>
+    <p:extLst>
+      <p:ext uri="{BB962C8B-B14F-4D97-AF65-F5344CB8AC3E}">
+        <p14:creationId xmlns:p14="http://schemas.microsoft.com/office/powerpoint/2010/main" val="889477140"/>
+      </p:ext>
+    </p:extLst>
+  </p:cSld>
+  <p:clrMap bg1="lt1" tx1="dk1" bg2="lt2" tx2="dk2" accent1="accent1" accent2="accent2" accent3="accent3" accent4="accent4" accent5="accent5" accent6="accent6" hlink="hlink" folHlink="folHlink"/>
+  <p:notesStyle>
+    <a:lvl1pPr marL="0" algn="l" defTabSz="914400" rtl="0" eaLnBrk="1" latinLnBrk="0" hangingPunct="1">
+      <a:defRPr sz="1200" kern="1200">
+        <a:solidFill>
+          <a:schemeClr val="tx1"/>
+        </a:solidFill>
+        <a:latin typeface="+mn-lt"/>
+        <a:ea typeface="+mn-ea"/>
+        <a:cs typeface="+mn-cs"/>
+      </a:defRPr>
+    </a:lvl1pPr>
+    <a:lvl2pPr marL="457200" algn="l" defTabSz="914400" rtl="0" eaLnBrk="1" latinLnBrk="0" hangingPunct="1">
+      <a:defRPr sz="1200" kern="1200">
+        <a:solidFill>
+          <a:schemeClr val="tx1"/>
+        </a:solidFill>
+        <a:latin typeface="+mn-lt"/>
+        <a:ea typeface="+mn-ea"/>
+        <a:cs typeface="+mn-cs"/>
+      </a:defRPr>
+    </a:lvl2pPr>
+    <a:lvl3pPr marL="914400" algn="l" defTabSz="914400" rtl="0" eaLnBrk="1" latinLnBrk="0" hangingPunct="1">
+      <a:defRPr sz="1200" kern="1200">
+        <a:solidFill>
+          <a:schemeClr val="tx1"/>
+        </a:solidFill>
+        <a:latin typeface="+mn-lt"/>
+        <a:ea typeface="+mn-ea"/>
+        <a:cs typeface="+mn-cs"/>
+      </a:defRPr>
+    </a:lvl3pPr>
+    <a:lvl4pPr marL="1371600" algn="l" defTabSz="914400" rtl="0" eaLnBrk="1" latinLnBrk="0" hangingPunct="1">
+      <a:defRPr sz="1200" kern="1200">
+        <a:solidFill>
+          <a:schemeClr val="tx1"/>
+        </a:solidFill>
+        <a:latin typeface="+mn-lt"/>
+        <a:ea typeface="+mn-ea"/>
+        <a:cs typeface="+mn-cs"/>
+      </a:defRPr>
+    </a:lvl4pPr>
+    <a:lvl5pPr marL="1828800" algn="l" defTabSz="914400" rtl="0" eaLnBrk="1" latinLnBrk="0" hangingPunct="1">
+      <a:defRPr sz="1200" kern="1200">
+        <a:solidFill>
+          <a:schemeClr val="tx1"/>
+        </a:solidFill>
+        <a:latin typeface="+mn-lt"/>
+        <a:ea typeface="+mn-ea"/>
+        <a:cs typeface="+mn-cs"/>
+      </a:defRPr>
+    </a:lvl5pPr>
+    <a:lvl6pPr marL="2286000" algn="l" defTabSz="914400" rtl="0" eaLnBrk="1" latinLnBrk="0" hangingPunct="1">
+      <a:defRPr sz="1200" kern="1200">
+        <a:solidFill>
+          <a:schemeClr val="tx1"/>
+        </a:solidFill>
+        <a:latin typeface="+mn-lt"/>
+        <a:ea typeface="+mn-ea"/>
+        <a:cs typeface="+mn-cs"/>
+      </a:defRPr>
+    </a:lvl6pPr>
+    <a:lvl7pPr marL="2743200" algn="l" defTabSz="914400" rtl="0" eaLnBrk="1" latinLnBrk="0" hangingPunct="1">
+      <a:defRPr sz="1200" kern="1200">
+        <a:solidFill>
+          <a:schemeClr val="tx1"/>
+        </a:solidFill>
+        <a:latin typeface="+mn-lt"/>
+        <a:ea typeface="+mn-ea"/>
+        <a:cs typeface="+mn-cs"/>
+      </a:defRPr>
+    </a:lvl7pPr>
+    <a:lvl8pPr marL="3200400" algn="l" defTabSz="914400" rtl="0" eaLnBrk="1" latinLnBrk="0" hangingPunct="1">
+      <a:defRPr sz="1200" kern="1200">
+        <a:solidFill>
+          <a:schemeClr val="tx1"/>
+        </a:solidFill>
+        <a:latin typeface="+mn-lt"/>
+        <a:ea typeface="+mn-ea"/>
+        <a:cs typeface="+mn-cs"/>
+      </a:defRPr>
+    </a:lvl8pPr>
+    <a:lvl9pPr marL="3657600" algn="l" defTabSz="914400" rtl="0" eaLnBrk="1" latinLnBrk="0" hangingPunct="1">
+      <a:defRPr sz="1200" kern="1200">
+        <a:solidFill>
+          <a:schemeClr val="tx1"/>
+        </a:solidFill>
+        <a:latin typeface="+mn-lt"/>
+        <a:ea typeface="+mn-ea"/>
+        <a:cs typeface="+mn-cs"/>
+      </a:defRPr>
+    </a:lvl9pPr>
+  </p:notesStyle>
+</p:notesMaster>
+</file>
+
+<file path=ppt/notesSlides/notesSlide1.xml><?xml version="1.0" encoding="utf-8"?>
+<p:notes xmlns:a="http://schemas.openxmlformats.org/drawingml/2006/main" xmlns:r="http://schemas.openxmlformats.org/officeDocument/2006/relationships" xmlns:p="http://schemas.openxmlformats.org/presentationml/2006/main">
+  <p:cSld>
+    <p:spTree>
+      <p:nvGrpSpPr>
+        <p:cNvPr id="1" name=""/>
+        <p:cNvGrpSpPr/>
+        <p:nvPr/>
+      </p:nvGrpSpPr>
+      <p:grpSpPr>
+        <a:xfrm>
+          <a:off x="0" y="0"/>
+          <a:ext cx="0" cy="0"/>
+          <a:chOff x="0" y="0"/>
+          <a:chExt cx="0" cy="0"/>
+        </a:xfrm>
+      </p:grpSpPr>
+      <p:sp>
+        <p:nvSpPr>
+          <p:cNvPr id="2" name="Slide Image Placeholder 1"/>
+          <p:cNvSpPr>
+            <a:spLocks noGrp="1" noRot="1" noChangeAspect="1"/>
+          </p:cNvSpPr>
+          <p:nvPr>
+            <p:ph type="sldImg"/>
+          </p:nvPr>
+        </p:nvSpPr>
+        <p:spPr/>
+      </p:sp>
+      <p:sp>
+        <p:nvSpPr>
+          <p:cNvPr id="3" name="Notes Placeholder 2"/>
+          <p:cNvSpPr>
+            <a:spLocks noGrp="1"/>
+          </p:cNvSpPr>
+          <p:nvPr>
+            <p:ph type="body" idx="1"/>
+          </p:nvPr>
+        </p:nvSpPr>
+        <p:spPr/>
+        <p:txBody>
+          <a:bodyPr/>
+          <a:lstStyle/>
+          <a:p>
+            <a:r>
+              <a:rPr lang="en-US" dirty="0" err="1" smtClean="0"/>
+              <a:t>iot</a:t>
+            </a:r>
+            <a:r>
+              <a:rPr lang="en-US" dirty="0" smtClean="0"/>
+              <a:t> </a:t>
+            </a:r>
+            <a:r>
+              <a:rPr lang="en-US" dirty="0" err="1" smtClean="0"/>
+              <a:t>rpi</a:t>
+            </a:r>
+            <a:r>
+              <a:rPr lang="en-US" dirty="0" smtClean="0"/>
+              <a:t> </a:t>
+            </a:r>
+            <a:r>
+              <a:rPr lang="en-US" dirty="0" err="1" smtClean="0"/>
+              <a:t>clayster</a:t>
+            </a:r>
+            <a:r>
+              <a:rPr lang="en-US" dirty="0" smtClean="0"/>
+              <a:t> </a:t>
+            </a:r>
+            <a:r>
+              <a:rPr lang="en-US" dirty="0" err="1" smtClean="0"/>
+              <a:t>circuits.png</a:t>
+            </a:r>
+            <a:r>
+              <a:rPr lang="en-US" dirty="0" smtClean="0"/>
+              <a:t> .</a:t>
+            </a:r>
+            <a:r>
+              <a:rPr lang="en-US" dirty="0" err="1" smtClean="0"/>
+              <a:t>png</a:t>
+            </a:r>
+            <a:endParaRPr lang="en-US" dirty="0"/>
+          </a:p>
+        </p:txBody>
+      </p:sp>
+      <p:sp>
+        <p:nvSpPr>
+          <p:cNvPr id="4" name="Slide Number Placeholder 3"/>
+          <p:cNvSpPr>
+            <a:spLocks noGrp="1"/>
+          </p:cNvSpPr>
+          <p:nvPr>
+            <p:ph type="sldNum" sz="quarter" idx="10"/>
+          </p:nvPr>
+        </p:nvSpPr>
+        <p:spPr/>
+        <p:txBody>
+          <a:bodyPr/>
+          <a:lstStyle/>
+          <a:p>
+            <a:fld id="{2C811450-7C3A-CE48-833F-FB5065C95781}" type="slidenum">
+              <a:rPr lang="en-US" smtClean="0"/>
+              <a:t>2</a:t>
+            </a:fld>
+            <a:endParaRPr lang="en-US"/>
+          </a:p>
+        </p:txBody>
+      </p:sp>
+    </p:spTree>
+    <p:extLst>
+      <p:ext uri="{BB962C8B-B14F-4D97-AF65-F5344CB8AC3E}">
+        <p14:creationId xmlns:p14="http://schemas.microsoft.com/office/powerpoint/2010/main" val="808625213"/>
+      </p:ext>
+    </p:extLst>
+  </p:cSld>
+  <p:clrMapOvr>
+    <a:masterClrMapping/>
+  </p:clrMapOvr>
+</p:notes>
+</file>
+
 <file path=ppt/slideLayouts/slideLayout1.xml><?xml version="1.0" encoding="utf-8"?>
 <p:sldLayout xmlns:a="http://schemas.openxmlformats.org/drawingml/2006/main" xmlns:r="http://schemas.openxmlformats.org/officeDocument/2006/relationships" xmlns:p="http://schemas.openxmlformats.org/presentationml/2006/main" type="title" preserve="1">
   <p:cSld name="Title Slide">
@@ -249,7 +723,7 @@
           <a:p>
             <a:fld id="{DD2BDEAC-A4EE-C742-9AE6-82F296B30C52}" type="datetimeFigureOut">
               <a:rPr lang="en-US" smtClean="0"/>
-              <a:t>11/29/16</a:t>
+              <a:t>12/4/16</a:t>
             </a:fld>
             <a:endParaRPr lang="en-US"/>
           </a:p>
@@ -419,7 +893,7 @@
           <a:p>
             <a:fld id="{DD2BDEAC-A4EE-C742-9AE6-82F296B30C52}" type="datetimeFigureOut">
               <a:rPr lang="en-US" smtClean="0"/>
-              <a:t>11/29/16</a:t>
+              <a:t>12/4/16</a:t>
             </a:fld>
             <a:endParaRPr lang="en-US"/>
           </a:p>
@@ -599,7 +1073,7 @@
           <a:p>
             <a:fld id="{DD2BDEAC-A4EE-C742-9AE6-82F296B30C52}" type="datetimeFigureOut">
               <a:rPr lang="en-US" smtClean="0"/>
-              <a:t>11/29/16</a:t>
+              <a:t>12/4/16</a:t>
             </a:fld>
             <a:endParaRPr lang="en-US"/>
           </a:p>
@@ -732,7 +1206,7 @@
           <a:p>
             <a:fld id="{DD2BDEAC-A4EE-C742-9AE6-82F296B30C52}" type="datetimeFigureOut">
               <a:rPr lang="en-US" smtClean="0"/>
-              <a:t>11/29/16</a:t>
+              <a:t>12/4/16</a:t>
             </a:fld>
             <a:endParaRPr lang="en-US"/>
           </a:p>
@@ -978,7 +1452,7 @@
           <a:p>
             <a:fld id="{DD2BDEAC-A4EE-C742-9AE6-82F296B30C52}" type="datetimeFigureOut">
               <a:rPr lang="en-US" smtClean="0"/>
-              <a:t>11/29/16</a:t>
+              <a:t>12/4/16</a:t>
             </a:fld>
             <a:endParaRPr lang="en-US"/>
           </a:p>
@@ -1210,7 +1684,7 @@
           <a:p>
             <a:fld id="{DD2BDEAC-A4EE-C742-9AE6-82F296B30C52}" type="datetimeFigureOut">
               <a:rPr lang="en-US" smtClean="0"/>
-              <a:t>11/29/16</a:t>
+              <a:t>12/4/16</a:t>
             </a:fld>
             <a:endParaRPr lang="en-US"/>
           </a:p>
@@ -1577,7 +2051,7 @@
           <a:p>
             <a:fld id="{DD2BDEAC-A4EE-C742-9AE6-82F296B30C52}" type="datetimeFigureOut">
               <a:rPr lang="en-US" smtClean="0"/>
-              <a:t>11/29/16</a:t>
+              <a:t>12/4/16</a:t>
             </a:fld>
             <a:endParaRPr lang="en-US"/>
           </a:p>
@@ -1695,7 +2169,7 @@
           <a:p>
             <a:fld id="{DD2BDEAC-A4EE-C742-9AE6-82F296B30C52}" type="datetimeFigureOut">
               <a:rPr lang="en-US" smtClean="0"/>
-              <a:t>11/29/16</a:t>
+              <a:t>12/4/16</a:t>
             </a:fld>
             <a:endParaRPr lang="en-US"/>
           </a:p>
@@ -1790,7 +2264,7 @@
           <a:p>
             <a:fld id="{DD2BDEAC-A4EE-C742-9AE6-82F296B30C52}" type="datetimeFigureOut">
               <a:rPr lang="en-US" smtClean="0"/>
-              <a:t>11/29/16</a:t>
+              <a:t>12/4/16</a:t>
             </a:fld>
             <a:endParaRPr lang="en-US"/>
           </a:p>
@@ -2067,7 +2541,7 @@
           <a:p>
             <a:fld id="{DD2BDEAC-A4EE-C742-9AE6-82F296B30C52}" type="datetimeFigureOut">
               <a:rPr lang="en-US" smtClean="0"/>
-              <a:t>11/29/16</a:t>
+              <a:t>12/4/16</a:t>
             </a:fld>
             <a:endParaRPr lang="en-US"/>
           </a:p>
@@ -2320,7 +2794,7 @@
           <a:p>
             <a:fld id="{DD2BDEAC-A4EE-C742-9AE6-82F296B30C52}" type="datetimeFigureOut">
               <a:rPr lang="en-US" smtClean="0"/>
-              <a:t>11/29/16</a:t>
+              <a:t>12/4/16</a:t>
             </a:fld>
             <a:endParaRPr lang="en-US"/>
           </a:p>
@@ -2533,7 +3007,7 @@
           <a:p>
             <a:fld id="{DD2BDEAC-A4EE-C742-9AE6-82F296B30C52}" type="datetimeFigureOut">
               <a:rPr lang="en-US" smtClean="0"/>
-              <a:t>11/29/16</a:t>
+              <a:t>12/4/16</a:t>
             </a:fld>
             <a:endParaRPr lang="en-US"/>
           </a:p>
@@ -3424,11 +3898,6 @@
               </a:rPr>
               <a:t>TXD (Transmit)</a:t>
             </a:r>
-            <a:endParaRPr lang="en-US" sz="1900" dirty="0" smtClean="0">
-              <a:latin typeface="Open Sans Light" charset="0"/>
-              <a:ea typeface="Open Sans Light" charset="0"/>
-              <a:cs typeface="Open Sans Light" charset="0"/>
-            </a:endParaRPr>
           </a:p>
           <a:p>
             <a:r>
@@ -3439,11 +3908,6 @@
               </a:rPr>
               <a:t>RXD (Receive)</a:t>
             </a:r>
-            <a:endParaRPr lang="en-US" sz="1900" dirty="0" smtClean="0">
-              <a:latin typeface="Open Sans Light" charset="0"/>
-              <a:ea typeface="Open Sans Light" charset="0"/>
-              <a:cs typeface="Open Sans Light" charset="0"/>
-            </a:endParaRPr>
           </a:p>
         </p:txBody>
       </p:sp>
@@ -3757,278 +4221,132 @@
           <a:lstStyle/>
           <a:p>
             <a:r>
-              <a:rPr lang="en-US" dirty="0" err="1" smtClean="0"/>
-              <a:t>ssh</a:t>
-            </a:r>
-            <a:endParaRPr lang="en-US" dirty="0"/>
-          </a:p>
-        </p:txBody>
-      </p:sp>
-      <p:sp>
-        <p:nvSpPr>
-          <p:cNvPr id="3" name="Content Placeholder 2"/>
-          <p:cNvSpPr>
-            <a:spLocks noGrp="1"/>
-          </p:cNvSpPr>
-          <p:nvPr>
-            <p:ph idx="4294967295"/>
-          </p:nvPr>
-        </p:nvSpPr>
-        <p:spPr>
-          <a:xfrm>
-            <a:off x="1676400" y="235364"/>
-            <a:ext cx="10515600" cy="5105262"/>
-          </a:xfrm>
-        </p:spPr>
-        <p:txBody>
-          <a:bodyPr>
-            <a:noAutofit/>
+              <a:rPr lang="en-US" smtClean="0">
+                <a:latin typeface="Open Sans Light" charset="0"/>
+                <a:ea typeface="Open Sans Light" charset="0"/>
+                <a:cs typeface="Open Sans Light" charset="0"/>
+              </a:rPr>
+              <a:t>Pi pin usage schematic</a:t>
+            </a:r>
+            <a:endParaRPr lang="en-US">
+              <a:latin typeface="Open Sans Light" charset="0"/>
+              <a:ea typeface="Open Sans Light" charset="0"/>
+              <a:cs typeface="Open Sans Light" charset="0"/>
+            </a:endParaRPr>
+          </a:p>
+        </p:txBody>
+      </p:sp>
+      <p:sp>
+        <p:nvSpPr>
+          <p:cNvPr id="3" name="Rectangle 2"/>
+          <p:cNvSpPr/>
+          <p:nvPr/>
+        </p:nvSpPr>
+        <p:spPr>
+          <a:xfrm>
+            <a:off x="2743200" y="6642556"/>
+            <a:ext cx="9448800" cy="215444"/>
+          </a:xfrm>
+          <a:prstGeom prst="rect">
+            <a:avLst/>
+          </a:prstGeom>
+        </p:spPr>
+        <p:txBody>
+          <a:bodyPr wrap="square">
+            <a:spAutoFit/>
           </a:bodyPr>
           <a:lstStyle/>
           <a:p>
-            <a:pPr marL="0" indent="0">
-              <a:buNone/>
-            </a:pPr>
-            <a:r>
-              <a:rPr lang="mr-IN" sz="2000" dirty="0">
-                <a:latin typeface="Courier New" charset="0"/>
-                <a:ea typeface="Courier New" charset="0"/>
-                <a:cs typeface="Courier New" charset="0"/>
+            <a:pPr algn="r"/>
+            <a:r>
+              <a:rPr lang="en-US" sz="800" smtClean="0">
+                <a:solidFill>
+                  <a:schemeClr val="bg1">
+                    <a:lumMod val="65000"/>
+                  </a:schemeClr>
+                </a:solidFill>
+                <a:latin typeface="Open Sans Light" charset="0"/>
+                <a:ea typeface="Open Sans Light" charset="0"/>
+                <a:cs typeface="Open Sans Light" charset="0"/>
               </a:rPr>
-              <a:t>~() &gt; </a:t>
-            </a:r>
-            <a:r>
-              <a:rPr lang="mr-IN" sz="2000" dirty="0" err="1">
-                <a:latin typeface="Courier New" charset="0"/>
-                <a:ea typeface="Courier New" charset="0"/>
-                <a:cs typeface="Courier New" charset="0"/>
+              <a:t>Appendix B of https</a:t>
+            </a:r>
+            <a:r>
+              <a:rPr lang="en-US" sz="800" dirty="0">
+                <a:solidFill>
+                  <a:schemeClr val="bg1">
+                    <a:lumMod val="65000"/>
+                  </a:schemeClr>
+                </a:solidFill>
+                <a:latin typeface="Open Sans Light" charset="0"/>
+                <a:ea typeface="Open Sans Light" charset="0"/>
+                <a:cs typeface="Open Sans Light" charset="0"/>
               </a:rPr>
-              <a:t>ssh</a:t>
-            </a:r>
-            <a:r>
-              <a:rPr lang="mr-IN" sz="2000" dirty="0">
-                <a:latin typeface="Courier New" charset="0"/>
-                <a:ea typeface="Courier New" charset="0"/>
-                <a:cs typeface="Courier New" charset="0"/>
+              <a:t>://</a:t>
+            </a:r>
+            <a:r>
+              <a:rPr lang="en-US" sz="800" dirty="0" err="1">
+                <a:solidFill>
+                  <a:schemeClr val="bg1">
+                    <a:lumMod val="65000"/>
+                  </a:schemeClr>
+                </a:solidFill>
+                <a:latin typeface="Open Sans Light" charset="0"/>
+                <a:ea typeface="Open Sans Light" charset="0"/>
+                <a:cs typeface="Open Sans Light" charset="0"/>
               </a:rPr>
-              <a:t> pi@10.0.0.6</a:t>
-            </a:r>
-          </a:p>
-          <a:p>
-            <a:pPr marL="0" indent="0">
-              <a:buNone/>
-            </a:pPr>
-            <a:r>
-              <a:rPr lang="en-US" sz="2000" dirty="0">
-                <a:latin typeface="Courier New" charset="0"/>
-                <a:ea typeface="Courier New" charset="0"/>
-                <a:cs typeface="Courier New" charset="0"/>
+              <a:t>www.packtpub.com</a:t>
+            </a:r>
+            <a:r>
+              <a:rPr lang="en-US" sz="800" dirty="0">
+                <a:solidFill>
+                  <a:schemeClr val="bg1">
+                    <a:lumMod val="65000"/>
+                  </a:schemeClr>
+                </a:solidFill>
+                <a:latin typeface="Open Sans Light" charset="0"/>
+                <a:ea typeface="Open Sans Light" charset="0"/>
+                <a:cs typeface="Open Sans Light" charset="0"/>
               </a:rPr>
-              <a:t>pi@10.0.0.6's password: </a:t>
-            </a:r>
-          </a:p>
-          <a:p>
-            <a:pPr marL="0" indent="0">
-              <a:buNone/>
-            </a:pPr>
-            <a:endParaRPr lang="en-US" sz="2000" dirty="0">
-              <a:latin typeface="Courier New" charset="0"/>
-              <a:ea typeface="Courier New" charset="0"/>
-              <a:cs typeface="Courier New" charset="0"/>
-            </a:endParaRPr>
-          </a:p>
-          <a:p>
-            <a:pPr marL="0" indent="0">
-              <a:buNone/>
-            </a:pPr>
-            <a:r>
-              <a:rPr lang="en-US" sz="2000" dirty="0">
-                <a:latin typeface="Courier New" charset="0"/>
-                <a:ea typeface="Courier New" charset="0"/>
-                <a:cs typeface="Courier New" charset="0"/>
-              </a:rPr>
-              <a:t>The programs included with the </a:t>
-            </a:r>
-            <a:r>
-              <a:rPr lang="en-US" sz="2000" dirty="0" err="1">
-                <a:latin typeface="Courier New" charset="0"/>
-                <a:ea typeface="Courier New" charset="0"/>
-                <a:cs typeface="Courier New" charset="0"/>
-              </a:rPr>
-              <a:t>Debian</a:t>
-            </a:r>
-            <a:r>
-              <a:rPr lang="en-US" sz="2000" dirty="0">
-                <a:latin typeface="Courier New" charset="0"/>
-                <a:ea typeface="Courier New" charset="0"/>
-                <a:cs typeface="Courier New" charset="0"/>
-              </a:rPr>
-              <a:t> GNU/Linux system are free software;</a:t>
-            </a:r>
-          </a:p>
-          <a:p>
-            <a:pPr marL="0" indent="0">
-              <a:buNone/>
-            </a:pPr>
-            <a:r>
-              <a:rPr lang="en-US" sz="2000" dirty="0">
-                <a:latin typeface="Courier New" charset="0"/>
-                <a:ea typeface="Courier New" charset="0"/>
-                <a:cs typeface="Courier New" charset="0"/>
-              </a:rPr>
-              <a:t>the exact distribution terms for each program are described in the</a:t>
-            </a:r>
-          </a:p>
-          <a:p>
-            <a:pPr marL="0" indent="0">
-              <a:buNone/>
-            </a:pPr>
-            <a:r>
-              <a:rPr lang="en-US" sz="2000" dirty="0">
-                <a:latin typeface="Courier New" charset="0"/>
-                <a:ea typeface="Courier New" charset="0"/>
-                <a:cs typeface="Courier New" charset="0"/>
-              </a:rPr>
-              <a:t>individual files in /</a:t>
-            </a:r>
-            <a:r>
-              <a:rPr lang="en-US" sz="2000" dirty="0" err="1">
-                <a:latin typeface="Courier New" charset="0"/>
-                <a:ea typeface="Courier New" charset="0"/>
-                <a:cs typeface="Courier New" charset="0"/>
-              </a:rPr>
-              <a:t>usr</a:t>
-            </a:r>
-            <a:r>
-              <a:rPr lang="en-US" sz="2000" dirty="0">
-                <a:latin typeface="Courier New" charset="0"/>
-                <a:ea typeface="Courier New" charset="0"/>
-                <a:cs typeface="Courier New" charset="0"/>
-              </a:rPr>
-              <a:t>/share/doc/*/copyright.</a:t>
-            </a:r>
-          </a:p>
-          <a:p>
-            <a:pPr marL="0" indent="0">
-              <a:buNone/>
-            </a:pPr>
-            <a:endParaRPr lang="en-US" sz="2000" dirty="0">
-              <a:latin typeface="Courier New" charset="0"/>
-              <a:ea typeface="Courier New" charset="0"/>
-              <a:cs typeface="Courier New" charset="0"/>
-            </a:endParaRPr>
-          </a:p>
-          <a:p>
-            <a:pPr marL="0" indent="0">
-              <a:buNone/>
-            </a:pPr>
-            <a:r>
-              <a:rPr lang="en-US" sz="2000" dirty="0" err="1">
-                <a:latin typeface="Courier New" charset="0"/>
-                <a:ea typeface="Courier New" charset="0"/>
-                <a:cs typeface="Courier New" charset="0"/>
-              </a:rPr>
-              <a:t>Debian</a:t>
-            </a:r>
-            <a:r>
-              <a:rPr lang="en-US" sz="2000" dirty="0">
-                <a:latin typeface="Courier New" charset="0"/>
-                <a:ea typeface="Courier New" charset="0"/>
-                <a:cs typeface="Courier New" charset="0"/>
-              </a:rPr>
-              <a:t> GNU/Linux comes with ABSOLUTELY NO WARRANTY, to the extent</a:t>
-            </a:r>
-          </a:p>
-          <a:p>
-            <a:pPr marL="0" indent="0">
-              <a:buNone/>
-            </a:pPr>
-            <a:r>
-              <a:rPr lang="en-US" sz="2000" dirty="0">
-                <a:latin typeface="Courier New" charset="0"/>
-                <a:ea typeface="Courier New" charset="0"/>
-                <a:cs typeface="Courier New" charset="0"/>
-              </a:rPr>
-              <a:t>permitted by applicable law.</a:t>
-            </a:r>
-          </a:p>
-          <a:p>
-            <a:pPr marL="0" indent="0">
-              <a:buNone/>
-            </a:pPr>
-            <a:r>
-              <a:rPr lang="en-US" sz="2000" dirty="0">
-                <a:latin typeface="Courier New" charset="0"/>
-                <a:ea typeface="Courier New" charset="0"/>
-                <a:cs typeface="Courier New" charset="0"/>
-              </a:rPr>
-              <a:t>Last login: Mon Nov 28 09:17:26 </a:t>
-            </a:r>
-            <a:r>
-              <a:rPr lang="en-US" sz="2000" dirty="0" smtClean="0">
-                <a:latin typeface="Courier New" charset="0"/>
-                <a:ea typeface="Courier New" charset="0"/>
-                <a:cs typeface="Courier New" charset="0"/>
-              </a:rPr>
-              <a:t>2016</a:t>
-            </a:r>
-          </a:p>
-          <a:p>
-            <a:pPr marL="0" indent="0">
-              <a:buNone/>
-            </a:pPr>
-            <a:r>
-              <a:rPr lang="en-US" sz="2000" b="1" dirty="0" err="1">
-                <a:latin typeface="Courier New" charset="0"/>
-                <a:ea typeface="Courier New" charset="0"/>
-                <a:cs typeface="Courier New" charset="0"/>
-              </a:rPr>
-              <a:t>pi@raspberrypi</a:t>
-            </a:r>
-            <a:r>
-              <a:rPr lang="en-US" sz="2000" b="1" dirty="0">
-                <a:latin typeface="Courier New" charset="0"/>
-                <a:ea typeface="Courier New" charset="0"/>
-                <a:cs typeface="Courier New" charset="0"/>
-              </a:rPr>
-              <a:t>:~ $ </a:t>
-            </a:r>
-            <a:r>
-              <a:rPr lang="en-US" sz="2000" b="1" dirty="0" err="1" smtClean="0">
-                <a:latin typeface="Courier New" charset="0"/>
-                <a:ea typeface="Courier New" charset="0"/>
-                <a:cs typeface="Courier New" charset="0"/>
-              </a:rPr>
-              <a:t>sudo</a:t>
-            </a:r>
-            <a:r>
-              <a:rPr lang="en-US" sz="2000" b="1" dirty="0" smtClean="0">
-                <a:latin typeface="Courier New" charset="0"/>
-                <a:ea typeface="Courier New" charset="0"/>
-                <a:cs typeface="Courier New" charset="0"/>
-              </a:rPr>
-              <a:t> </a:t>
-            </a:r>
-            <a:r>
-              <a:rPr lang="en-US" sz="2000" b="1" dirty="0" err="1" smtClean="0">
-                <a:latin typeface="Courier New" charset="0"/>
-                <a:ea typeface="Courier New" charset="0"/>
-                <a:cs typeface="Courier New" charset="0"/>
-              </a:rPr>
-              <a:t>raspi-config</a:t>
-            </a:r>
-            <a:endParaRPr lang="en-US" sz="2000" b="1" dirty="0">
-              <a:latin typeface="Courier New" charset="0"/>
-              <a:ea typeface="Courier New" charset="0"/>
-              <a:cs typeface="Courier New" charset="0"/>
-            </a:endParaRPr>
-          </a:p>
-        </p:txBody>
-      </p:sp>
+              <a:t>/sites/default/files/downloads/3494_3532OT_Appendices.pdf</a:t>
+            </a:r>
+          </a:p>
+        </p:txBody>
+      </p:sp>
+      <p:pic>
+        <p:nvPicPr>
+          <p:cNvPr id="4" name="Picture 3"/>
+          <p:cNvPicPr>
+            <a:picLocks noChangeAspect="1"/>
+          </p:cNvPicPr>
+          <p:nvPr/>
+        </p:nvPicPr>
+        <p:blipFill>
+          <a:blip r:embed="rId3">
+            <a:extLst>
+              <a:ext uri="{28A0092B-C50C-407E-A947-70E740481C1C}">
+                <a14:useLocalDpi xmlns:a14="http://schemas.microsoft.com/office/drawing/2010/main" val="0"/>
+              </a:ext>
+            </a:extLst>
+          </a:blip>
+          <a:stretch>
+            <a:fillRect/>
+          </a:stretch>
+        </p:blipFill>
+        <p:spPr>
+          <a:xfrm>
+            <a:off x="700144" y="-1"/>
+            <a:ext cx="9867362" cy="5738191"/>
+          </a:xfrm>
+          <a:prstGeom prst="rect">
+            <a:avLst/>
+          </a:prstGeom>
+        </p:spPr>
+      </p:pic>
     </p:spTree>
     <p:extLst>
       <p:ext uri="{BB962C8B-B14F-4D97-AF65-F5344CB8AC3E}">
-        <p14:creationId xmlns:p14="http://schemas.microsoft.com/office/powerpoint/2010/main" val="125155026"/>
+        <p14:creationId xmlns:p14="http://schemas.microsoft.com/office/powerpoint/2010/main" val="1262266905"/>
       </p:ext>
     </p:extLst>
   </p:cSld>
@@ -4072,142 +4390,269 @@
           <a:p>
             <a:r>
               <a:rPr lang="en-US" dirty="0" err="1" smtClean="0"/>
+              <a:t>ssh</a:t>
+            </a:r>
+            <a:endParaRPr lang="en-US" dirty="0"/>
+          </a:p>
+        </p:txBody>
+      </p:sp>
+      <p:sp>
+        <p:nvSpPr>
+          <p:cNvPr id="3" name="Content Placeholder 2"/>
+          <p:cNvSpPr>
+            <a:spLocks noGrp="1"/>
+          </p:cNvSpPr>
+          <p:nvPr>
+            <p:ph idx="4294967295"/>
+          </p:nvPr>
+        </p:nvSpPr>
+        <p:spPr>
+          <a:xfrm>
+            <a:off x="1676400" y="235364"/>
+            <a:ext cx="10515600" cy="5105262"/>
+          </a:xfrm>
+        </p:spPr>
+        <p:txBody>
+          <a:bodyPr>
+            <a:noAutofit/>
+          </a:bodyPr>
+          <a:lstStyle/>
+          <a:p>
+            <a:pPr marL="0" indent="0">
+              <a:buNone/>
+            </a:pPr>
+            <a:r>
+              <a:rPr lang="mr-IN" sz="2000" dirty="0">
+                <a:latin typeface="Courier New" charset="0"/>
+                <a:ea typeface="Courier New" charset="0"/>
+                <a:cs typeface="Courier New" charset="0"/>
+              </a:rPr>
+              <a:t>~() &gt; </a:t>
+            </a:r>
+            <a:r>
+              <a:rPr lang="mr-IN" sz="2000" dirty="0" err="1">
+                <a:latin typeface="Courier New" charset="0"/>
+                <a:ea typeface="Courier New" charset="0"/>
+                <a:cs typeface="Courier New" charset="0"/>
+              </a:rPr>
+              <a:t>ssh</a:t>
+            </a:r>
+            <a:r>
+              <a:rPr lang="mr-IN" sz="2000" dirty="0">
+                <a:latin typeface="Courier New" charset="0"/>
+                <a:ea typeface="Courier New" charset="0"/>
+                <a:cs typeface="Courier New" charset="0"/>
+              </a:rPr>
+              <a:t> pi@10.0.0.6</a:t>
+            </a:r>
+          </a:p>
+          <a:p>
+            <a:pPr marL="0" indent="0">
+              <a:buNone/>
+            </a:pPr>
+            <a:r>
+              <a:rPr lang="en-US" sz="2000" dirty="0">
+                <a:latin typeface="Courier New" charset="0"/>
+                <a:ea typeface="Courier New" charset="0"/>
+                <a:cs typeface="Courier New" charset="0"/>
+              </a:rPr>
+              <a:t>pi@10.0.0.6's password: </a:t>
+            </a:r>
+          </a:p>
+          <a:p>
+            <a:pPr marL="0" indent="0">
+              <a:buNone/>
+            </a:pPr>
+            <a:endParaRPr lang="en-US" sz="2000" dirty="0">
+              <a:latin typeface="Courier New" charset="0"/>
+              <a:ea typeface="Courier New" charset="0"/>
+              <a:cs typeface="Courier New" charset="0"/>
+            </a:endParaRPr>
+          </a:p>
+          <a:p>
+            <a:pPr marL="0" indent="0">
+              <a:buNone/>
+            </a:pPr>
+            <a:r>
+              <a:rPr lang="en-US" sz="2000" dirty="0">
+                <a:latin typeface="Courier New" charset="0"/>
+                <a:ea typeface="Courier New" charset="0"/>
+                <a:cs typeface="Courier New" charset="0"/>
+              </a:rPr>
+              <a:t>The programs included with the </a:t>
+            </a:r>
+            <a:r>
+              <a:rPr lang="en-US" sz="2000" dirty="0" err="1">
+                <a:latin typeface="Courier New" charset="0"/>
+                <a:ea typeface="Courier New" charset="0"/>
+                <a:cs typeface="Courier New" charset="0"/>
+              </a:rPr>
+              <a:t>Debian</a:t>
+            </a:r>
+            <a:r>
+              <a:rPr lang="en-US" sz="2000" dirty="0">
+                <a:latin typeface="Courier New" charset="0"/>
+                <a:ea typeface="Courier New" charset="0"/>
+                <a:cs typeface="Courier New" charset="0"/>
+              </a:rPr>
+              <a:t> GNU/Linux system are free software;</a:t>
+            </a:r>
+          </a:p>
+          <a:p>
+            <a:pPr marL="0" indent="0">
+              <a:buNone/>
+            </a:pPr>
+            <a:r>
+              <a:rPr lang="en-US" sz="2000" dirty="0">
+                <a:latin typeface="Courier New" charset="0"/>
+                <a:ea typeface="Courier New" charset="0"/>
+                <a:cs typeface="Courier New" charset="0"/>
+              </a:rPr>
+              <a:t>the exact distribution terms for each program are described in the</a:t>
+            </a:r>
+          </a:p>
+          <a:p>
+            <a:pPr marL="0" indent="0">
+              <a:buNone/>
+            </a:pPr>
+            <a:r>
+              <a:rPr lang="en-US" sz="2000" dirty="0">
+                <a:latin typeface="Courier New" charset="0"/>
+                <a:ea typeface="Courier New" charset="0"/>
+                <a:cs typeface="Courier New" charset="0"/>
+              </a:rPr>
+              <a:t>individual files in /</a:t>
+            </a:r>
+            <a:r>
+              <a:rPr lang="en-US" sz="2000" dirty="0" err="1">
+                <a:latin typeface="Courier New" charset="0"/>
+                <a:ea typeface="Courier New" charset="0"/>
+                <a:cs typeface="Courier New" charset="0"/>
+              </a:rPr>
+              <a:t>usr</a:t>
+            </a:r>
+            <a:r>
+              <a:rPr lang="en-US" sz="2000" dirty="0">
+                <a:latin typeface="Courier New" charset="0"/>
+                <a:ea typeface="Courier New" charset="0"/>
+                <a:cs typeface="Courier New" charset="0"/>
+              </a:rPr>
+              <a:t>/share/doc/*/copyright.</a:t>
+            </a:r>
+          </a:p>
+          <a:p>
+            <a:pPr marL="0" indent="0">
+              <a:buNone/>
+            </a:pPr>
+            <a:endParaRPr lang="en-US" sz="2000" dirty="0">
+              <a:latin typeface="Courier New" charset="0"/>
+              <a:ea typeface="Courier New" charset="0"/>
+              <a:cs typeface="Courier New" charset="0"/>
+            </a:endParaRPr>
+          </a:p>
+          <a:p>
+            <a:pPr marL="0" indent="0">
+              <a:buNone/>
+            </a:pPr>
+            <a:r>
+              <a:rPr lang="en-US" sz="2000" dirty="0" err="1">
+                <a:latin typeface="Courier New" charset="0"/>
+                <a:ea typeface="Courier New" charset="0"/>
+                <a:cs typeface="Courier New" charset="0"/>
+              </a:rPr>
+              <a:t>Debian</a:t>
+            </a:r>
+            <a:r>
+              <a:rPr lang="en-US" sz="2000" dirty="0">
+                <a:latin typeface="Courier New" charset="0"/>
+                <a:ea typeface="Courier New" charset="0"/>
+                <a:cs typeface="Courier New" charset="0"/>
+              </a:rPr>
+              <a:t> GNU/Linux comes with ABSOLUTELY NO WARRANTY, to the extent</a:t>
+            </a:r>
+          </a:p>
+          <a:p>
+            <a:pPr marL="0" indent="0">
+              <a:buNone/>
+            </a:pPr>
+            <a:r>
+              <a:rPr lang="en-US" sz="2000" dirty="0">
+                <a:latin typeface="Courier New" charset="0"/>
+                <a:ea typeface="Courier New" charset="0"/>
+                <a:cs typeface="Courier New" charset="0"/>
+              </a:rPr>
+              <a:t>permitted by applicable law.</a:t>
+            </a:r>
+          </a:p>
+          <a:p>
+            <a:pPr marL="0" indent="0">
+              <a:buNone/>
+            </a:pPr>
+            <a:r>
+              <a:rPr lang="en-US" sz="2000" dirty="0">
+                <a:latin typeface="Courier New" charset="0"/>
+                <a:ea typeface="Courier New" charset="0"/>
+                <a:cs typeface="Courier New" charset="0"/>
+              </a:rPr>
+              <a:t>Last login: Mon Nov 28 09:17:26 </a:t>
+            </a:r>
+            <a:r>
+              <a:rPr lang="en-US" sz="2000" dirty="0" smtClean="0">
+                <a:latin typeface="Courier New" charset="0"/>
+                <a:ea typeface="Courier New" charset="0"/>
+                <a:cs typeface="Courier New" charset="0"/>
+              </a:rPr>
+              <a:t>2016</a:t>
+            </a:r>
+          </a:p>
+          <a:p>
+            <a:pPr marL="0" indent="0">
+              <a:buNone/>
+            </a:pPr>
+            <a:r>
+              <a:rPr lang="en-US" sz="2000" b="1" dirty="0" err="1">
+                <a:latin typeface="Courier New" charset="0"/>
+                <a:ea typeface="Courier New" charset="0"/>
+                <a:cs typeface="Courier New" charset="0"/>
+              </a:rPr>
+              <a:t>pi@raspberrypi</a:t>
+            </a:r>
+            <a:r>
+              <a:rPr lang="en-US" sz="2000" b="1" dirty="0">
+                <a:latin typeface="Courier New" charset="0"/>
+                <a:ea typeface="Courier New" charset="0"/>
+                <a:cs typeface="Courier New" charset="0"/>
+              </a:rPr>
+              <a:t>:~ $ </a:t>
+            </a:r>
+            <a:r>
+              <a:rPr lang="en-US" sz="2000" b="1" dirty="0" err="1" smtClean="0">
+                <a:latin typeface="Courier New" charset="0"/>
+                <a:ea typeface="Courier New" charset="0"/>
+                <a:cs typeface="Courier New" charset="0"/>
+              </a:rPr>
+              <a:t>sudo</a:t>
+            </a:r>
+            <a:r>
+              <a:rPr lang="en-US" sz="2000" b="1" dirty="0" smtClean="0">
+                <a:latin typeface="Courier New" charset="0"/>
+                <a:ea typeface="Courier New" charset="0"/>
+                <a:cs typeface="Courier New" charset="0"/>
+              </a:rPr>
+              <a:t> </a:t>
+            </a:r>
+            <a:r>
+              <a:rPr lang="en-US" sz="2000" b="1" dirty="0" err="1" smtClean="0">
+                <a:latin typeface="Courier New" charset="0"/>
+                <a:ea typeface="Courier New" charset="0"/>
+                <a:cs typeface="Courier New" charset="0"/>
+              </a:rPr>
               <a:t>raspi-config</a:t>
             </a:r>
-            <a:endParaRPr lang="en-US" dirty="0"/>
-          </a:p>
-        </p:txBody>
-      </p:sp>
-      <p:sp>
-        <p:nvSpPr>
-          <p:cNvPr id="5" name="Rectangle 4"/>
-          <p:cNvSpPr/>
-          <p:nvPr/>
-        </p:nvSpPr>
-        <p:spPr>
-          <a:xfrm>
-            <a:off x="5897217" y="6637539"/>
-            <a:ext cx="6294783" cy="220461"/>
-          </a:xfrm>
-          <a:prstGeom prst="rect">
-            <a:avLst/>
-          </a:prstGeom>
-        </p:spPr>
-        <p:txBody>
-          <a:bodyPr wrap="square">
-            <a:spAutoFit/>
-          </a:bodyPr>
-          <a:lstStyle/>
-          <a:p>
-            <a:pPr algn="r"/>
-            <a:r>
-              <a:rPr lang="en-US" sz="800" dirty="0"/>
-              <a:t>https://</a:t>
-            </a:r>
-            <a:r>
-              <a:rPr lang="en-US" sz="800" dirty="0" err="1"/>
-              <a:t>www.raspberrypi.org</a:t>
-            </a:r>
-            <a:r>
-              <a:rPr lang="en-US" sz="800" dirty="0"/>
-              <a:t>/documentation/configuration/</a:t>
-            </a:r>
-            <a:r>
-              <a:rPr lang="en-US" sz="800" dirty="0" err="1"/>
-              <a:t>raspi-config.md</a:t>
-            </a:r>
-            <a:endParaRPr lang="en-US" sz="800" dirty="0"/>
-          </a:p>
-        </p:txBody>
-      </p:sp>
-      <p:pic>
-        <p:nvPicPr>
-          <p:cNvPr id="6" name="Picture 5"/>
-          <p:cNvPicPr>
-            <a:picLocks noChangeAspect="1"/>
-          </p:cNvPicPr>
-          <p:nvPr/>
-        </p:nvPicPr>
-        <p:blipFill>
-          <a:blip r:embed="rId2">
-            <a:extLst>
-              <a:ext uri="{28A0092B-C50C-407E-A947-70E740481C1C}">
-                <a14:useLocalDpi xmlns:a14="http://schemas.microsoft.com/office/drawing/2010/main" val="0"/>
-              </a:ext>
-            </a:extLst>
-          </a:blip>
-          <a:stretch>
-            <a:fillRect/>
-          </a:stretch>
-        </p:blipFill>
-        <p:spPr>
-          <a:xfrm>
-            <a:off x="1205949" y="-1"/>
-            <a:ext cx="10986052" cy="5270232"/>
-          </a:xfrm>
-          <a:prstGeom prst="rect">
-            <a:avLst/>
-          </a:prstGeom>
-        </p:spPr>
-      </p:pic>
-      <p:sp>
-        <p:nvSpPr>
-          <p:cNvPr id="7" name="TextBox 6"/>
-          <p:cNvSpPr txBox="1"/>
-          <p:nvPr/>
-        </p:nvSpPr>
-        <p:spPr>
-          <a:xfrm>
-            <a:off x="1205949" y="5230475"/>
-            <a:ext cx="6333722" cy="369332"/>
-          </a:xfrm>
-          <a:prstGeom prst="rect">
-            <a:avLst/>
-          </a:prstGeom>
-          <a:noFill/>
-        </p:spPr>
-        <p:txBody>
-          <a:bodyPr wrap="none" rtlCol="0">
-            <a:spAutoFit/>
-          </a:bodyPr>
-          <a:lstStyle/>
-          <a:p>
-            <a:r>
-              <a:rPr lang="en-US" dirty="0" smtClean="0">
-                <a:latin typeface="Open Sans Light" charset="0"/>
-                <a:ea typeface="Open Sans Light" charset="0"/>
-                <a:cs typeface="Open Sans Light" charset="0"/>
-              </a:rPr>
-              <a:t>Use keyboard up/down cursor keys, then </a:t>
-            </a:r>
-            <a:r>
-              <a:rPr lang="en-US" dirty="0" smtClean="0">
-                <a:latin typeface="Open Sans Light" charset="0"/>
-                <a:ea typeface="Open Sans Light" charset="0"/>
-                <a:cs typeface="Open Sans Light" charset="0"/>
-              </a:rPr>
-              <a:t>Enter key </a:t>
-            </a:r>
-            <a:r>
-              <a:rPr lang="en-US" dirty="0" smtClean="0">
-                <a:latin typeface="Open Sans Light" charset="0"/>
-                <a:ea typeface="Open Sans Light" charset="0"/>
-                <a:cs typeface="Open Sans Light" charset="0"/>
-              </a:rPr>
-              <a:t>to </a:t>
-            </a:r>
-            <a:r>
-              <a:rPr lang="en-US" dirty="0" smtClean="0">
-                <a:latin typeface="Open Sans Light" charset="0"/>
-                <a:ea typeface="Open Sans Light" charset="0"/>
-                <a:cs typeface="Open Sans Light" charset="0"/>
-              </a:rPr>
-              <a:t>select.</a:t>
-            </a:r>
-            <a:endParaRPr lang="en-US" dirty="0">
-              <a:latin typeface="Open Sans Light" charset="0"/>
-              <a:ea typeface="Open Sans Light" charset="0"/>
-              <a:cs typeface="Open Sans Light" charset="0"/>
+            <a:endParaRPr lang="en-US" sz="2000" b="1" dirty="0">
+              <a:latin typeface="Courier New" charset="0"/>
+              <a:ea typeface="Courier New" charset="0"/>
+              <a:cs typeface="Courier New" charset="0"/>
             </a:endParaRPr>
           </a:p>
         </p:txBody>
@@ -4215,7 +4660,7 @@
     </p:spTree>
     <p:extLst>
       <p:ext uri="{BB962C8B-B14F-4D97-AF65-F5344CB8AC3E}">
-        <p14:creationId xmlns:p14="http://schemas.microsoft.com/office/powerpoint/2010/main" val="42988800"/>
+        <p14:creationId xmlns:p14="http://schemas.microsoft.com/office/powerpoint/2010/main" val="125155026"/>
       </p:ext>
     </p:extLst>
   </p:cSld>
@@ -4261,10 +4706,6 @@
               <a:rPr lang="en-US" dirty="0" err="1" smtClean="0"/>
               <a:t>raspi-config</a:t>
             </a:r>
-            <a:r>
-              <a:rPr lang="en-US" dirty="0" smtClean="0"/>
-              <a:t> Locale</a:t>
-            </a:r>
             <a:endParaRPr lang="en-US" dirty="0"/>
           </a:p>
         </p:txBody>
@@ -4311,55 +4752,9 @@
           </a:p>
         </p:txBody>
       </p:sp>
-      <p:sp>
-        <p:nvSpPr>
-          <p:cNvPr id="7" name="TextBox 6"/>
-          <p:cNvSpPr txBox="1"/>
-          <p:nvPr/>
-        </p:nvSpPr>
-        <p:spPr>
-          <a:xfrm>
-            <a:off x="3193773" y="5734325"/>
-            <a:ext cx="6167779" cy="369332"/>
-          </a:xfrm>
-          <a:prstGeom prst="rect">
-            <a:avLst/>
-          </a:prstGeom>
-          <a:noFill/>
-        </p:spPr>
-        <p:txBody>
-          <a:bodyPr wrap="none" rtlCol="0">
-            <a:spAutoFit/>
-          </a:bodyPr>
-          <a:lstStyle/>
-          <a:p>
-            <a:r>
-              <a:rPr lang="en-US" dirty="0" smtClean="0">
-                <a:latin typeface="Open Sans Light" charset="0"/>
-                <a:ea typeface="Open Sans Light" charset="0"/>
-                <a:cs typeface="Open Sans Light" charset="0"/>
-              </a:rPr>
-              <a:t>Use keyboard up/down cursor keys, then Tab key </a:t>
-            </a:r>
-            <a:r>
-              <a:rPr lang="en-US" smtClean="0">
-                <a:latin typeface="Open Sans Light" charset="0"/>
-                <a:ea typeface="Open Sans Light" charset="0"/>
-                <a:cs typeface="Open Sans Light" charset="0"/>
-              </a:rPr>
-              <a:t>to &lt;Ok&gt;.</a:t>
-            </a:r>
-            <a:endParaRPr lang="en-US" dirty="0">
-              <a:latin typeface="Open Sans Light" charset="0"/>
-              <a:ea typeface="Open Sans Light" charset="0"/>
-              <a:cs typeface="Open Sans Light" charset="0"/>
-            </a:endParaRPr>
-          </a:p>
-        </p:txBody>
-      </p:sp>
       <p:pic>
         <p:nvPicPr>
-          <p:cNvPr id="3" name="Picture 2"/>
+          <p:cNvPr id="6" name="Picture 5"/>
           <p:cNvPicPr>
             <a:picLocks noChangeAspect="1"/>
           </p:cNvPicPr>
@@ -4379,82 +4774,56 @@
         </p:blipFill>
         <p:spPr>
           <a:xfrm>
-            <a:off x="1815547" y="202095"/>
-            <a:ext cx="9963417" cy="1149625"/>
+            <a:off x="1205949" y="-1"/>
+            <a:ext cx="10986052" cy="5270232"/>
           </a:xfrm>
           <a:prstGeom prst="rect">
             <a:avLst/>
           </a:prstGeom>
         </p:spPr>
       </p:pic>
-      <p:pic>
-        <p:nvPicPr>
-          <p:cNvPr id="4" name="Picture 3"/>
-          <p:cNvPicPr>
-            <a:picLocks noChangeAspect="1"/>
-          </p:cNvPicPr>
+      <p:sp>
+        <p:nvSpPr>
+          <p:cNvPr id="7" name="TextBox 6"/>
+          <p:cNvSpPr txBox="1"/>
           <p:nvPr/>
-        </p:nvPicPr>
-        <p:blipFill>
-          <a:blip r:embed="rId3">
-            <a:extLst>
-              <a:ext uri="{28A0092B-C50C-407E-A947-70E740481C1C}">
-                <a14:useLocalDpi xmlns:a14="http://schemas.microsoft.com/office/drawing/2010/main" val="0"/>
-              </a:ext>
-            </a:extLst>
-          </a:blip>
-          <a:stretch>
-            <a:fillRect/>
-          </a:stretch>
-        </p:blipFill>
-        <p:spPr>
-          <a:xfrm>
-            <a:off x="2723864" y="1417981"/>
-            <a:ext cx="9055100" cy="4356100"/>
+        </p:nvSpPr>
+        <p:spPr>
+          <a:xfrm>
+            <a:off x="1205949" y="5230475"/>
+            <a:ext cx="6333722" cy="369332"/>
           </a:xfrm>
           <a:prstGeom prst="rect">
             <a:avLst/>
           </a:prstGeom>
-        </p:spPr>
-      </p:pic>
-      <p:sp>
-        <p:nvSpPr>
-          <p:cNvPr id="6" name="Rectangle 5"/>
-          <p:cNvSpPr/>
-          <p:nvPr/>
-        </p:nvSpPr>
-        <p:spPr>
-          <a:xfrm>
-            <a:off x="6833296" y="3809964"/>
-            <a:ext cx="2528256" cy="369332"/>
-          </a:xfrm>
-          <a:prstGeom prst="rect">
-            <a:avLst/>
-          </a:prstGeom>
-        </p:spPr>
-        <p:txBody>
-          <a:bodyPr wrap="none">
+          <a:noFill/>
+        </p:spPr>
+        <p:txBody>
+          <a:bodyPr wrap="none" rtlCol="0">
             <a:spAutoFit/>
           </a:bodyPr>
           <a:lstStyle/>
           <a:p>
             <a:r>
-              <a:rPr lang="en-US">
-                <a:solidFill>
-                  <a:srgbClr val="222222"/>
-                </a:solidFill>
-                <a:latin typeface="Courier" charset="0"/>
+              <a:rPr lang="en-US" dirty="0" smtClean="0">
+                <a:latin typeface="Open Sans Light" charset="0"/>
+                <a:ea typeface="Open Sans Light" charset="0"/>
+                <a:cs typeface="Open Sans Light" charset="0"/>
               </a:rPr>
-              <a:t>en_GB.UTF-8 UTF-8</a:t>
-            </a:r>
-            <a:endParaRPr lang="en-US"/>
+              <a:t>Use keyboard up/down cursor keys, then Enter key to select.</a:t>
+            </a:r>
+            <a:endParaRPr lang="en-US" dirty="0">
+              <a:latin typeface="Open Sans Light" charset="0"/>
+              <a:ea typeface="Open Sans Light" charset="0"/>
+              <a:cs typeface="Open Sans Light" charset="0"/>
+            </a:endParaRPr>
           </a:p>
         </p:txBody>
       </p:sp>
     </p:spTree>
     <p:extLst>
       <p:ext uri="{BB962C8B-B14F-4D97-AF65-F5344CB8AC3E}">
-        <p14:creationId xmlns:p14="http://schemas.microsoft.com/office/powerpoint/2010/main" val="662025456"/>
+        <p14:creationId xmlns:p14="http://schemas.microsoft.com/office/powerpoint/2010/main" val="42988800"/>
       </p:ext>
     </p:extLst>
   </p:cSld>
@@ -4497,8 +4866,12 @@
           <a:lstStyle/>
           <a:p>
             <a:r>
+              <a:rPr lang="en-US" dirty="0" err="1" smtClean="0"/>
+              <a:t>raspi-config</a:t>
+            </a:r>
+            <a:r>
               <a:rPr lang="en-US" dirty="0" smtClean="0"/>
-              <a:t>Jessie Pi Preferences Configuration</a:t>
+              <a:t> Locale</a:t>
             </a:r>
             <a:endParaRPr lang="en-US" dirty="0"/>
           </a:p>
@@ -4536,27 +4909,65 @@
             </a:r>
             <a:r>
               <a:rPr lang="en-US" sz="800" dirty="0"/>
-              <a:t>/learning/getting-started-with-</a:t>
+              <a:t>/documentation/configuration/</a:t>
             </a:r>
             <a:r>
               <a:rPr lang="en-US" sz="800" dirty="0" err="1"/>
-              <a:t>picamera</a:t>
-            </a:r>
-            <a:r>
-              <a:rPr lang="en-US" sz="800" dirty="0"/>
-              <a:t>/images/</a:t>
-            </a:r>
-            <a:r>
-              <a:rPr lang="en-US" sz="800" dirty="0" err="1"/>
-              <a:t>raspi-config-menu.png</a:t>
+              <a:t>raspi-config.md</a:t>
             </a:r>
             <a:endParaRPr lang="en-US" sz="800" dirty="0"/>
+          </a:p>
+        </p:txBody>
+      </p:sp>
+      <p:sp>
+        <p:nvSpPr>
+          <p:cNvPr id="7" name="TextBox 6"/>
+          <p:cNvSpPr txBox="1"/>
+          <p:nvPr/>
+        </p:nvSpPr>
+        <p:spPr>
+          <a:xfrm>
+            <a:off x="3193773" y="5734325"/>
+            <a:ext cx="6167779" cy="369332"/>
+          </a:xfrm>
+          <a:prstGeom prst="rect">
+            <a:avLst/>
+          </a:prstGeom>
+          <a:noFill/>
+        </p:spPr>
+        <p:txBody>
+          <a:bodyPr wrap="none" rtlCol="0">
+            <a:spAutoFit/>
+          </a:bodyPr>
+          <a:lstStyle/>
+          <a:p>
+            <a:r>
+              <a:rPr lang="en-US" dirty="0" smtClean="0">
+                <a:latin typeface="Open Sans Light" charset="0"/>
+                <a:ea typeface="Open Sans Light" charset="0"/>
+                <a:cs typeface="Open Sans Light" charset="0"/>
+              </a:rPr>
+              <a:t>Use keyboard up/down cursor keys, then Tab key </a:t>
+            </a:r>
+            <a:r>
+              <a:rPr lang="en-US" smtClean="0">
+                <a:latin typeface="Open Sans Light" charset="0"/>
+                <a:ea typeface="Open Sans Light" charset="0"/>
+                <a:cs typeface="Open Sans Light" charset="0"/>
+              </a:rPr>
+              <a:t>to &lt;Ok&gt;.</a:t>
+            </a:r>
+            <a:endParaRPr lang="en-US" dirty="0">
+              <a:latin typeface="Open Sans Light" charset="0"/>
+              <a:ea typeface="Open Sans Light" charset="0"/>
+              <a:cs typeface="Open Sans Light" charset="0"/>
+            </a:endParaRPr>
           </a:p>
         </p:txBody>
       </p:sp>
       <p:pic>
         <p:nvPicPr>
-          <p:cNvPr id="7" name="Picture 6"/>
+          <p:cNvPr id="3" name="Picture 2"/>
           <p:cNvPicPr>
             <a:picLocks noChangeAspect="1"/>
           </p:cNvPicPr>
@@ -4576,18 +4987,82 @@
         </p:blipFill>
         <p:spPr>
           <a:xfrm>
-            <a:off x="5124450" y="0"/>
-            <a:ext cx="7067550" cy="5981700"/>
+            <a:off x="1815547" y="202095"/>
+            <a:ext cx="9963417" cy="1149625"/>
           </a:xfrm>
           <a:prstGeom prst="rect">
             <a:avLst/>
           </a:prstGeom>
         </p:spPr>
       </p:pic>
+      <p:pic>
+        <p:nvPicPr>
+          <p:cNvPr id="4" name="Picture 3"/>
+          <p:cNvPicPr>
+            <a:picLocks noChangeAspect="1"/>
+          </p:cNvPicPr>
+          <p:nvPr/>
+        </p:nvPicPr>
+        <p:blipFill>
+          <a:blip r:embed="rId3">
+            <a:extLst>
+              <a:ext uri="{28A0092B-C50C-407E-A947-70E740481C1C}">
+                <a14:useLocalDpi xmlns:a14="http://schemas.microsoft.com/office/drawing/2010/main" val="0"/>
+              </a:ext>
+            </a:extLst>
+          </a:blip>
+          <a:stretch>
+            <a:fillRect/>
+          </a:stretch>
+        </p:blipFill>
+        <p:spPr>
+          <a:xfrm>
+            <a:off x="2723864" y="1417981"/>
+            <a:ext cx="9055100" cy="4356100"/>
+          </a:xfrm>
+          <a:prstGeom prst="rect">
+            <a:avLst/>
+          </a:prstGeom>
+        </p:spPr>
+      </p:pic>
+      <p:sp>
+        <p:nvSpPr>
+          <p:cNvPr id="6" name="Rectangle 5"/>
+          <p:cNvSpPr/>
+          <p:nvPr/>
+        </p:nvSpPr>
+        <p:spPr>
+          <a:xfrm>
+            <a:off x="6833296" y="3809964"/>
+            <a:ext cx="2528256" cy="369332"/>
+          </a:xfrm>
+          <a:prstGeom prst="rect">
+            <a:avLst/>
+          </a:prstGeom>
+        </p:spPr>
+        <p:txBody>
+          <a:bodyPr wrap="none">
+            <a:spAutoFit/>
+          </a:bodyPr>
+          <a:lstStyle/>
+          <a:p>
+            <a:r>
+              <a:rPr lang="en-US">
+                <a:solidFill>
+                  <a:srgbClr val="222222"/>
+                </a:solidFill>
+                <a:latin typeface="Courier" charset="0"/>
+              </a:rPr>
+              <a:t>en_GB.UTF-8 UTF-8</a:t>
+            </a:r>
+            <a:endParaRPr lang="en-US"/>
+          </a:p>
+        </p:txBody>
+      </p:sp>
     </p:spTree>
     <p:extLst>
       <p:ext uri="{BB962C8B-B14F-4D97-AF65-F5344CB8AC3E}">
-        <p14:creationId xmlns:p14="http://schemas.microsoft.com/office/powerpoint/2010/main" val="966943621"/>
+        <p14:creationId xmlns:p14="http://schemas.microsoft.com/office/powerpoint/2010/main" val="662025456"/>
       </p:ext>
     </p:extLst>
   </p:cSld>
@@ -4631,6 +5106,139 @@
           <a:p>
             <a:r>
               <a:rPr lang="en-US" dirty="0" smtClean="0"/>
+              <a:t>Jessie Pi Preferences Configuration</a:t>
+            </a:r>
+            <a:endParaRPr lang="en-US" dirty="0"/>
+          </a:p>
+        </p:txBody>
+      </p:sp>
+      <p:sp>
+        <p:nvSpPr>
+          <p:cNvPr id="5" name="Rectangle 4"/>
+          <p:cNvSpPr/>
+          <p:nvPr/>
+        </p:nvSpPr>
+        <p:spPr>
+          <a:xfrm>
+            <a:off x="5897217" y="6637539"/>
+            <a:ext cx="6294783" cy="220461"/>
+          </a:xfrm>
+          <a:prstGeom prst="rect">
+            <a:avLst/>
+          </a:prstGeom>
+        </p:spPr>
+        <p:txBody>
+          <a:bodyPr wrap="square">
+            <a:spAutoFit/>
+          </a:bodyPr>
+          <a:lstStyle/>
+          <a:p>
+            <a:pPr algn="r"/>
+            <a:r>
+              <a:rPr lang="en-US" sz="800" dirty="0"/>
+              <a:t>https://</a:t>
+            </a:r>
+            <a:r>
+              <a:rPr lang="en-US" sz="800" dirty="0" err="1"/>
+              <a:t>www.raspberrypi.org</a:t>
+            </a:r>
+            <a:r>
+              <a:rPr lang="en-US" sz="800" dirty="0"/>
+              <a:t>/learning/getting-started-with-</a:t>
+            </a:r>
+            <a:r>
+              <a:rPr lang="en-US" sz="800" dirty="0" err="1"/>
+              <a:t>picamera</a:t>
+            </a:r>
+            <a:r>
+              <a:rPr lang="en-US" sz="800" dirty="0"/>
+              <a:t>/images/</a:t>
+            </a:r>
+            <a:r>
+              <a:rPr lang="en-US" sz="800" dirty="0" err="1"/>
+              <a:t>raspi-config-menu.png</a:t>
+            </a:r>
+            <a:endParaRPr lang="en-US" sz="800" dirty="0"/>
+          </a:p>
+        </p:txBody>
+      </p:sp>
+      <p:pic>
+        <p:nvPicPr>
+          <p:cNvPr id="7" name="Picture 6"/>
+          <p:cNvPicPr>
+            <a:picLocks noChangeAspect="1"/>
+          </p:cNvPicPr>
+          <p:nvPr/>
+        </p:nvPicPr>
+        <p:blipFill>
+          <a:blip r:embed="rId2">
+            <a:extLst>
+              <a:ext uri="{28A0092B-C50C-407E-A947-70E740481C1C}">
+                <a14:useLocalDpi xmlns:a14="http://schemas.microsoft.com/office/drawing/2010/main" val="0"/>
+              </a:ext>
+            </a:extLst>
+          </a:blip>
+          <a:stretch>
+            <a:fillRect/>
+          </a:stretch>
+        </p:blipFill>
+        <p:spPr>
+          <a:xfrm>
+            <a:off x="5124450" y="0"/>
+            <a:ext cx="7067550" cy="5981700"/>
+          </a:xfrm>
+          <a:prstGeom prst="rect">
+            <a:avLst/>
+          </a:prstGeom>
+        </p:spPr>
+      </p:pic>
+    </p:spTree>
+    <p:extLst>
+      <p:ext uri="{BB962C8B-B14F-4D97-AF65-F5344CB8AC3E}">
+        <p14:creationId xmlns:p14="http://schemas.microsoft.com/office/powerpoint/2010/main" val="966943621"/>
+      </p:ext>
+    </p:extLst>
+  </p:cSld>
+  <p:clrMapOvr>
+    <a:masterClrMapping/>
+  </p:clrMapOvr>
+</p:sld>
+</file>
+
+<file path=ppt/slides/slide7.xml><?xml version="1.0" encoding="utf-8"?>
+<p:sld xmlns:a="http://schemas.openxmlformats.org/drawingml/2006/main" xmlns:r="http://schemas.openxmlformats.org/officeDocument/2006/relationships" xmlns:p="http://schemas.openxmlformats.org/presentationml/2006/main">
+  <p:cSld>
+    <p:spTree>
+      <p:nvGrpSpPr>
+        <p:cNvPr id="1" name=""/>
+        <p:cNvGrpSpPr/>
+        <p:nvPr/>
+      </p:nvGrpSpPr>
+      <p:grpSpPr>
+        <a:xfrm>
+          <a:off x="0" y="0"/>
+          <a:ext cx="0" cy="0"/>
+          <a:chOff x="0" y="0"/>
+          <a:chExt cx="0" cy="0"/>
+        </a:xfrm>
+      </p:grpSpPr>
+      <p:sp>
+        <p:nvSpPr>
+          <p:cNvPr id="2" name="Title 1"/>
+          <p:cNvSpPr>
+            <a:spLocks noGrp="1"/>
+          </p:cNvSpPr>
+          <p:nvPr>
+            <p:ph type="title"/>
+          </p:nvPr>
+        </p:nvSpPr>
+        <p:spPr/>
+        <p:txBody>
+          <a:bodyPr/>
+          <a:lstStyle/>
+          <a:p>
+            <a:r>
+              <a:rPr lang="en-US" dirty="0" smtClean="0"/>
               <a:t>Jessie Pi Preferences Configuration Camera</a:t>
             </a:r>
             <a:endParaRPr lang="en-US" dirty="0"/>
@@ -4730,7 +5338,7 @@
 </p:sld>
 </file>
 
-<file path=ppt/slides/slide7.xml><?xml version="1.0" encoding="utf-8"?>
+<file path=ppt/slides/slide8.xml><?xml version="1.0" encoding="utf-8"?>
 <p:sld xmlns:a="http://schemas.openxmlformats.org/drawingml/2006/main" xmlns:r="http://schemas.openxmlformats.org/officeDocument/2006/relationships" xmlns:p="http://schemas.openxmlformats.org/presentationml/2006/main">
   <p:cSld>
     <p:spTree>
@@ -5122,4 +5730,265 @@
     </a:ext>
   </a:extLst>
 </a:theme>
+</file>
+
+<file path=ppt/theme/theme2.xml><?xml version="1.0" encoding="utf-8"?>
+<a:theme xmlns:a="http://schemas.openxmlformats.org/drawingml/2006/main" name="Office Theme">
+  <a:themeElements>
+    <a:clrScheme name="Office">
+      <a:dk1>
+        <a:sysClr val="windowText" lastClr="000000"/>
+      </a:dk1>
+      <a:lt1>
+        <a:sysClr val="window" lastClr="FFFFFF"/>
+      </a:lt1>
+      <a:dk2>
+        <a:srgbClr val="44546A"/>
+      </a:dk2>
+      <a:lt2>
+        <a:srgbClr val="E7E6E6"/>
+      </a:lt2>
+      <a:accent1>
+        <a:srgbClr val="5B9BD5"/>
+      </a:accent1>
+      <a:accent2>
+        <a:srgbClr val="ED7D31"/>
+      </a:accent2>
+      <a:accent3>
+        <a:srgbClr val="A5A5A5"/>
+      </a:accent3>
+      <a:accent4>
+        <a:srgbClr val="FFC000"/>
+      </a:accent4>
+      <a:accent5>
+        <a:srgbClr val="4472C4"/>
+      </a:accent5>
+      <a:accent6>
+        <a:srgbClr val="70AD47"/>
+      </a:accent6>
+      <a:hlink>
+        <a:srgbClr val="0563C1"/>
+      </a:hlink>
+      <a:folHlink>
+        <a:srgbClr val="954F72"/>
+      </a:folHlink>
+    </a:clrScheme>
+    <a:fontScheme name="Office">
+      <a:majorFont>
+        <a:latin typeface="Calibri Light" panose="020F0302020204030204"/>
+        <a:ea typeface=""/>
+        <a:cs typeface=""/>
+        <a:font script="Jpan" typeface="Yu Gothic Light"/>
+        <a:font script="Hang" typeface="맑은 고딕"/>
+        <a:font script="Hans" typeface="DengXian Light"/>
+        <a:font script="Hant" typeface="新細明體"/>
+        <a:font script="Arab" typeface="Times New Roman"/>
+        <a:font script="Hebr" typeface="Times New Roman"/>
+        <a:font script="Thai" typeface="Angsana New"/>
+        <a:font script="Ethi" typeface="Nyala"/>
+        <a:font script="Beng" typeface="Vrinda"/>
+        <a:font script="Gujr" typeface="Shruti"/>
+        <a:font script="Khmr" typeface="MoolBoran"/>
+        <a:font script="Knda" typeface="Tunga"/>
+        <a:font script="Guru" typeface="Raavi"/>
+        <a:font script="Cans" typeface="Euphemia"/>
+        <a:font script="Cher" typeface="Plantagenet Cherokee"/>
+        <a:font script="Yiii" typeface="Microsoft Yi Baiti"/>
+        <a:font script="Tibt" typeface="Microsoft Himalaya"/>
+        <a:font script="Thaa" typeface="MV Boli"/>
+        <a:font script="Deva" typeface="Mangal"/>
+        <a:font script="Telu" typeface="Gautami"/>
+        <a:font script="Taml" typeface="Latha"/>
+        <a:font script="Syrc" typeface="Estrangelo Edessa"/>
+        <a:font script="Orya" typeface="Kalinga"/>
+        <a:font script="Mlym" typeface="Kartika"/>
+        <a:font script="Laoo" typeface="DokChampa"/>
+        <a:font script="Sinh" typeface="Iskoola Pota"/>
+        <a:font script="Mong" typeface="Mongolian Baiti"/>
+        <a:font script="Viet" typeface="Times New Roman"/>
+        <a:font script="Uigh" typeface="Microsoft Uighur"/>
+        <a:font script="Geor" typeface="Sylfaen"/>
+      </a:majorFont>
+      <a:minorFont>
+        <a:latin typeface="Calibri" panose="020F0502020204030204"/>
+        <a:ea typeface=""/>
+        <a:cs typeface=""/>
+        <a:font script="Jpan" typeface="Yu Gothic"/>
+        <a:font script="Hang" typeface="맑은 고딕"/>
+        <a:font script="Hans" typeface="DengXian"/>
+        <a:font script="Hant" typeface="新細明體"/>
+        <a:font script="Arab" typeface="Arial"/>
+        <a:font script="Hebr" typeface="Arial"/>
+        <a:font script="Thai" typeface="Cordia New"/>
+        <a:font script="Ethi" typeface="Nyala"/>
+        <a:font script="Beng" typeface="Vrinda"/>
+        <a:font script="Gujr" typeface="Shruti"/>
+        <a:font script="Khmr" typeface="DaunPenh"/>
+        <a:font script="Knda" typeface="Tunga"/>
+        <a:font script="Guru" typeface="Raavi"/>
+        <a:font script="Cans" typeface="Euphemia"/>
+        <a:font script="Cher" typeface="Plantagenet Cherokee"/>
+        <a:font script="Yiii" typeface="Microsoft Yi Baiti"/>
+        <a:font script="Tibt" typeface="Microsoft Himalaya"/>
+        <a:font script="Thaa" typeface="MV Boli"/>
+        <a:font script="Deva" typeface="Mangal"/>
+        <a:font script="Telu" typeface="Gautami"/>
+        <a:font script="Taml" typeface="Latha"/>
+        <a:font script="Syrc" typeface="Estrangelo Edessa"/>
+        <a:font script="Orya" typeface="Kalinga"/>
+        <a:font script="Mlym" typeface="Kartika"/>
+        <a:font script="Laoo" typeface="DokChampa"/>
+        <a:font script="Sinh" typeface="Iskoola Pota"/>
+        <a:font script="Mong" typeface="Mongolian Baiti"/>
+        <a:font script="Viet" typeface="Arial"/>
+        <a:font script="Uigh" typeface="Microsoft Uighur"/>
+        <a:font script="Geor" typeface="Sylfaen"/>
+      </a:minorFont>
+    </a:fontScheme>
+    <a:fmtScheme name="Office">
+      <a:fillStyleLst>
+        <a:solidFill>
+          <a:schemeClr val="phClr"/>
+        </a:solidFill>
+        <a:gradFill rotWithShape="1">
+          <a:gsLst>
+            <a:gs pos="0">
+              <a:schemeClr val="phClr">
+                <a:lumMod val="110000"/>
+                <a:satMod val="105000"/>
+                <a:tint val="67000"/>
+              </a:schemeClr>
+            </a:gs>
+            <a:gs pos="50000">
+              <a:schemeClr val="phClr">
+                <a:lumMod val="105000"/>
+                <a:satMod val="103000"/>
+                <a:tint val="73000"/>
+              </a:schemeClr>
+            </a:gs>
+            <a:gs pos="100000">
+              <a:schemeClr val="phClr">
+                <a:lumMod val="105000"/>
+                <a:satMod val="109000"/>
+                <a:tint val="81000"/>
+              </a:schemeClr>
+            </a:gs>
+          </a:gsLst>
+          <a:lin ang="5400000" scaled="0"/>
+        </a:gradFill>
+        <a:gradFill rotWithShape="1">
+          <a:gsLst>
+            <a:gs pos="0">
+              <a:schemeClr val="phClr">
+                <a:satMod val="103000"/>
+                <a:lumMod val="102000"/>
+                <a:tint val="94000"/>
+              </a:schemeClr>
+            </a:gs>
+            <a:gs pos="50000">
+              <a:schemeClr val="phClr">
+                <a:satMod val="110000"/>
+                <a:lumMod val="100000"/>
+                <a:shade val="100000"/>
+              </a:schemeClr>
+            </a:gs>
+            <a:gs pos="100000">
+              <a:schemeClr val="phClr">
+                <a:lumMod val="99000"/>
+                <a:satMod val="120000"/>
+                <a:shade val="78000"/>
+              </a:schemeClr>
+            </a:gs>
+          </a:gsLst>
+          <a:lin ang="5400000" scaled="0"/>
+        </a:gradFill>
+      </a:fillStyleLst>
+      <a:lnStyleLst>
+        <a:ln w="6350" cap="flat" cmpd="sng" algn="ctr">
+          <a:solidFill>
+            <a:schemeClr val="phClr"/>
+          </a:solidFill>
+          <a:prstDash val="solid"/>
+          <a:miter lim="800000"/>
+        </a:ln>
+        <a:ln w="12700" cap="flat" cmpd="sng" algn="ctr">
+          <a:solidFill>
+            <a:schemeClr val="phClr"/>
+          </a:solidFill>
+          <a:prstDash val="solid"/>
+          <a:miter lim="800000"/>
+        </a:ln>
+        <a:ln w="19050" cap="flat" cmpd="sng" algn="ctr">
+          <a:solidFill>
+            <a:schemeClr val="phClr"/>
+          </a:solidFill>
+          <a:prstDash val="solid"/>
+          <a:miter lim="800000"/>
+        </a:ln>
+      </a:lnStyleLst>
+      <a:effectStyleLst>
+        <a:effectStyle>
+          <a:effectLst/>
+        </a:effectStyle>
+        <a:effectStyle>
+          <a:effectLst/>
+        </a:effectStyle>
+        <a:effectStyle>
+          <a:effectLst>
+            <a:outerShdw blurRad="57150" dist="19050" dir="5400000" algn="ctr" rotWithShape="0">
+              <a:srgbClr val="000000">
+                <a:alpha val="63000"/>
+              </a:srgbClr>
+            </a:outerShdw>
+          </a:effectLst>
+        </a:effectStyle>
+      </a:effectStyleLst>
+      <a:bgFillStyleLst>
+        <a:solidFill>
+          <a:schemeClr val="phClr"/>
+        </a:solidFill>
+        <a:solidFill>
+          <a:schemeClr val="phClr">
+            <a:tint val="95000"/>
+            <a:satMod val="170000"/>
+          </a:schemeClr>
+        </a:solidFill>
+        <a:gradFill rotWithShape="1">
+          <a:gsLst>
+            <a:gs pos="0">
+              <a:schemeClr val="phClr">
+                <a:tint val="93000"/>
+                <a:satMod val="150000"/>
+                <a:shade val="98000"/>
+                <a:lumMod val="102000"/>
+              </a:schemeClr>
+            </a:gs>
+            <a:gs pos="50000">
+              <a:schemeClr val="phClr">
+                <a:tint val="98000"/>
+                <a:satMod val="130000"/>
+                <a:shade val="90000"/>
+                <a:lumMod val="103000"/>
+              </a:schemeClr>
+            </a:gs>
+            <a:gs pos="100000">
+              <a:schemeClr val="phClr">
+                <a:shade val="63000"/>
+                <a:satMod val="120000"/>
+              </a:schemeClr>
+            </a:gs>
+          </a:gsLst>
+          <a:lin ang="5400000" scaled="0"/>
+        </a:gradFill>
+      </a:bgFillStyleLst>
+    </a:fmtScheme>
+  </a:themeElements>
+  <a:objectDefaults/>
+  <a:extraClrSchemeLst/>
+  <a:extLst>
+    <a:ext uri="{05A4C25C-085E-4340-85A3-A5531E510DB2}">
+      <thm15:themeFamily xmlns:thm15="http://schemas.microsoft.com/office/thememl/2012/main" name="Office Theme" id="{62F939B6-93AF-4DB8-9C6B-D6C7DFDC589F}" vid="{4A3C46E8-61CC-4603-A589-7422A47A8E4A}"/>
+    </a:ext>
+  </a:extLst>
+</a:theme>
 </file>